--- a/digit-lock/img/digit-lock.pptx
+++ b/digit-lock/img/digit-lock.pptx
@@ -6,6 +6,9 @@
   </p:sldMasterIdLst>
   <p:sldIdLst>
     <p:sldId id="256" r:id="rId2"/>
+    <p:sldId id="257" r:id="rId3"/>
+    <p:sldId id="258" r:id="rId4"/>
+    <p:sldId id="259" r:id="rId5"/>
   </p:sldIdLst>
   <p:sldSz cx="7169150" cy="5376863" type="B5ISO"/>
   <p:notesSz cx="6858000" cy="9144000"/>
@@ -3584,6 +3587,5444 @@
 </p:sld>
 </file>
 
+<file path=ppt/slides/slide2.xml><?xml version="1.0" encoding="utf-8"?>
+<p:sld xmlns:a="http://schemas.openxmlformats.org/drawingml/2006/main" xmlns:r="http://schemas.openxmlformats.org/officeDocument/2006/relationships" xmlns:p="http://schemas.openxmlformats.org/presentationml/2006/main">
+  <p:cSld>
+    <p:spTree>
+      <p:nvGrpSpPr>
+        <p:cNvPr id="1" name=""/>
+        <p:cNvGrpSpPr/>
+        <p:nvPr/>
+      </p:nvGrpSpPr>
+      <p:grpSpPr>
+        <a:xfrm>
+          <a:off x="0" y="0"/>
+          <a:ext cx="0" cy="0"/>
+          <a:chOff x="0" y="0"/>
+          <a:chExt cx="0" cy="0"/>
+        </a:xfrm>
+      </p:grpSpPr>
+      <p:sp>
+        <p:nvSpPr>
+          <p:cNvPr id="2" name="Can 1"/>
+          <p:cNvSpPr>
+            <a:spLocks noChangeAspect="1"/>
+          </p:cNvSpPr>
+          <p:nvPr/>
+        </p:nvSpPr>
+        <p:spPr>
+          <a:xfrm>
+            <a:off x="1146177" y="4128314"/>
+            <a:ext cx="2196935" cy="807523"/>
+          </a:xfrm>
+          <a:prstGeom prst="can">
+            <a:avLst/>
+          </a:prstGeom>
+          <a:ln w="28575"/>
+        </p:spPr>
+        <p:style>
+          <a:lnRef idx="2">
+            <a:schemeClr val="dk1"/>
+          </a:lnRef>
+          <a:fillRef idx="1">
+            <a:schemeClr val="lt1"/>
+          </a:fillRef>
+          <a:effectRef idx="0">
+            <a:schemeClr val="dk1"/>
+          </a:effectRef>
+          <a:fontRef idx="minor">
+            <a:schemeClr val="dk1"/>
+          </a:fontRef>
+        </p:style>
+        <p:txBody>
+          <a:bodyPr rot="0" spcFirstLastPara="0" vertOverflow="overflow" horzOverflow="overflow" vert="horz" wrap="square" lIns="91440" tIns="45720" rIns="91440" bIns="45720" numCol="1" spcCol="0" rtlCol="0" fromWordArt="0" anchor="ctr" anchorCtr="0" forceAA="0" compatLnSpc="1">
+            <a:prstTxWarp prst="textNoShape">
+              <a:avLst/>
+            </a:prstTxWarp>
+            <a:noAutofit/>
+          </a:bodyPr>
+          <a:lstStyle/>
+          <a:p>
+            <a:pPr algn="ctr"/>
+            <a:endParaRPr lang="en-US"/>
+          </a:p>
+        </p:txBody>
+      </p:sp>
+      <p:sp>
+        <p:nvSpPr>
+          <p:cNvPr id="3" name="Can 2"/>
+          <p:cNvSpPr>
+            <a:spLocks noChangeAspect="1"/>
+          </p:cNvSpPr>
+          <p:nvPr/>
+        </p:nvSpPr>
+        <p:spPr>
+          <a:xfrm>
+            <a:off x="1205554" y="3475171"/>
+            <a:ext cx="2090057" cy="793666"/>
+          </a:xfrm>
+          <a:prstGeom prst="can">
+            <a:avLst/>
+          </a:prstGeom>
+          <a:ln w="28575"/>
+        </p:spPr>
+        <p:style>
+          <a:lnRef idx="2">
+            <a:schemeClr val="dk1"/>
+          </a:lnRef>
+          <a:fillRef idx="1">
+            <a:schemeClr val="lt1"/>
+          </a:fillRef>
+          <a:effectRef idx="0">
+            <a:schemeClr val="dk1"/>
+          </a:effectRef>
+          <a:fontRef idx="minor">
+            <a:schemeClr val="dk1"/>
+          </a:fontRef>
+        </p:style>
+        <p:txBody>
+          <a:bodyPr rot="0" spcFirstLastPara="0" vertOverflow="overflow" horzOverflow="overflow" vert="horz" wrap="square" lIns="91440" tIns="45720" rIns="91440" bIns="45720" numCol="1" spcCol="0" rtlCol="0" fromWordArt="0" anchor="ctr" anchorCtr="0" forceAA="0" compatLnSpc="1">
+            <a:prstTxWarp prst="textNoShape">
+              <a:avLst/>
+            </a:prstTxWarp>
+            <a:noAutofit/>
+          </a:bodyPr>
+          <a:lstStyle/>
+          <a:p>
+            <a:pPr algn="ctr"/>
+            <a:r>
+              <a:rPr lang="en-US" altLang="zh-CN" sz="1800" dirty="0"/>
+              <a:t>7</a:t>
+            </a:r>
+            <a:r>
+              <a:rPr lang="zh-CN" altLang="en-US" sz="1800" dirty="0"/>
+              <a:t>   </a:t>
+            </a:r>
+            <a:r>
+              <a:rPr lang="en-US" altLang="zh-CN" sz="1800" dirty="0"/>
+              <a:t>|</a:t>
+            </a:r>
+            <a:r>
+              <a:rPr lang="zh-CN" altLang="en-US" sz="1800" dirty="0"/>
+              <a:t>  </a:t>
+            </a:r>
+            <a:r>
+              <a:rPr lang="en-US" altLang="zh-CN" sz="1800" dirty="0"/>
+              <a:t>8</a:t>
+            </a:r>
+            <a:r>
+              <a:rPr lang="zh-CN" altLang="en-US" sz="1800" dirty="0"/>
+              <a:t>  </a:t>
+            </a:r>
+            <a:r>
+              <a:rPr lang="en-US" altLang="zh-CN" sz="1800" dirty="0"/>
+              <a:t>|</a:t>
+            </a:r>
+            <a:r>
+              <a:rPr lang="zh-CN" altLang="en-US" sz="1800" dirty="0"/>
+              <a:t> </a:t>
+            </a:r>
+            <a:r>
+              <a:rPr lang="en-US" altLang="zh-CN" sz="1800" dirty="0"/>
+              <a:t>9</a:t>
+            </a:r>
+            <a:r>
+              <a:rPr lang="zh-CN" altLang="en-US" sz="1800" dirty="0"/>
+              <a:t> </a:t>
+            </a:r>
+            <a:r>
+              <a:rPr lang="en-US" altLang="zh-CN" sz="1800" dirty="0"/>
+              <a:t>|</a:t>
+            </a:r>
+            <a:r>
+              <a:rPr lang="zh-CN" altLang="en-US" sz="1800" dirty="0"/>
+              <a:t> </a:t>
+            </a:r>
+            <a:r>
+              <a:rPr lang="en-US" altLang="zh-CN" sz="1800" dirty="0"/>
+              <a:t>0</a:t>
+            </a:r>
+            <a:r>
+              <a:rPr lang="zh-CN" altLang="en-US" sz="1800" dirty="0"/>
+              <a:t> </a:t>
+            </a:r>
+            <a:r>
+              <a:rPr lang="en-US" altLang="zh-CN" sz="1800" dirty="0"/>
+              <a:t>|</a:t>
+            </a:r>
+            <a:r>
+              <a:rPr lang="zh-CN" altLang="en-US" sz="1800" dirty="0"/>
+              <a:t> </a:t>
+            </a:r>
+            <a:r>
+              <a:rPr lang="en-US" altLang="zh-CN" sz="1800" dirty="0"/>
+              <a:t>1</a:t>
+            </a:r>
+            <a:r>
+              <a:rPr lang="zh-CN" altLang="en-US" sz="1800" dirty="0"/>
+              <a:t> </a:t>
+            </a:r>
+            <a:r>
+              <a:rPr lang="en-US" altLang="zh-CN" sz="1800" dirty="0"/>
+              <a:t>|</a:t>
+            </a:r>
+            <a:endParaRPr lang="en-US" sz="1800" dirty="0"/>
+          </a:p>
+        </p:txBody>
+      </p:sp>
+      <p:sp>
+        <p:nvSpPr>
+          <p:cNvPr id="4" name="Can 3"/>
+          <p:cNvSpPr>
+            <a:spLocks noChangeAspect="1"/>
+          </p:cNvSpPr>
+          <p:nvPr/>
+        </p:nvSpPr>
+        <p:spPr>
+          <a:xfrm>
+            <a:off x="1205554" y="2808172"/>
+            <a:ext cx="2090057" cy="793666"/>
+          </a:xfrm>
+          <a:prstGeom prst="can">
+            <a:avLst/>
+          </a:prstGeom>
+          <a:ln w="28575"/>
+        </p:spPr>
+        <p:style>
+          <a:lnRef idx="2">
+            <a:schemeClr val="dk1"/>
+          </a:lnRef>
+          <a:fillRef idx="1">
+            <a:schemeClr val="lt1"/>
+          </a:fillRef>
+          <a:effectRef idx="0">
+            <a:schemeClr val="dk1"/>
+          </a:effectRef>
+          <a:fontRef idx="minor">
+            <a:schemeClr val="dk1"/>
+          </a:fontRef>
+        </p:style>
+        <p:txBody>
+          <a:bodyPr rot="0" spcFirstLastPara="0" vertOverflow="overflow" horzOverflow="overflow" vert="horz" wrap="square" lIns="91440" tIns="45720" rIns="91440" bIns="45720" numCol="1" spcCol="0" rtlCol="0" fromWordArt="0" anchor="ctr" anchorCtr="0" forceAA="0" compatLnSpc="1">
+            <a:prstTxWarp prst="textNoShape">
+              <a:avLst/>
+            </a:prstTxWarp>
+            <a:noAutofit/>
+          </a:bodyPr>
+          <a:lstStyle/>
+          <a:p>
+            <a:pPr algn="ctr"/>
+            <a:r>
+              <a:rPr lang="en-US" altLang="zh-CN" sz="1800" dirty="0"/>
+              <a:t>1</a:t>
+            </a:r>
+            <a:r>
+              <a:rPr lang="zh-CN" altLang="en-US" sz="1800" dirty="0"/>
+              <a:t>   </a:t>
+            </a:r>
+            <a:r>
+              <a:rPr lang="en-US" altLang="zh-CN" sz="1800" dirty="0"/>
+              <a:t>|</a:t>
+            </a:r>
+            <a:r>
+              <a:rPr lang="zh-CN" altLang="en-US" sz="1800" dirty="0"/>
+              <a:t>  </a:t>
+            </a:r>
+            <a:r>
+              <a:rPr lang="en-US" altLang="zh-CN" sz="1800" dirty="0"/>
+              <a:t>2</a:t>
+            </a:r>
+            <a:r>
+              <a:rPr lang="zh-CN" altLang="en-US" sz="1800" dirty="0"/>
+              <a:t>  </a:t>
+            </a:r>
+            <a:r>
+              <a:rPr lang="en-US" altLang="zh-CN" sz="1800" dirty="0"/>
+              <a:t>|</a:t>
+            </a:r>
+            <a:r>
+              <a:rPr lang="zh-CN" altLang="en-US" sz="1800" dirty="0"/>
+              <a:t> </a:t>
+            </a:r>
+            <a:r>
+              <a:rPr lang="en-US" altLang="zh-CN" sz="1800" dirty="0"/>
+              <a:t>3</a:t>
+            </a:r>
+            <a:r>
+              <a:rPr lang="zh-CN" altLang="en-US" sz="1800" dirty="0"/>
+              <a:t> </a:t>
+            </a:r>
+            <a:r>
+              <a:rPr lang="en-US" altLang="zh-CN" sz="1800" dirty="0"/>
+              <a:t>|</a:t>
+            </a:r>
+            <a:r>
+              <a:rPr lang="zh-CN" altLang="en-US" sz="1800" dirty="0"/>
+              <a:t> </a:t>
+            </a:r>
+            <a:r>
+              <a:rPr lang="en-US" altLang="zh-CN" sz="1800" dirty="0"/>
+              <a:t>4</a:t>
+            </a:r>
+            <a:r>
+              <a:rPr lang="zh-CN" altLang="en-US" sz="1800" dirty="0"/>
+              <a:t> </a:t>
+            </a:r>
+            <a:r>
+              <a:rPr lang="en-US" altLang="zh-CN" sz="1800" dirty="0"/>
+              <a:t>|</a:t>
+            </a:r>
+            <a:r>
+              <a:rPr lang="zh-CN" altLang="en-US" sz="1800" dirty="0"/>
+              <a:t> </a:t>
+            </a:r>
+            <a:r>
+              <a:rPr lang="en-US" altLang="zh-CN" sz="1800" dirty="0"/>
+              <a:t>5</a:t>
+            </a:r>
+            <a:r>
+              <a:rPr lang="zh-CN" altLang="en-US" sz="1800" dirty="0"/>
+              <a:t> </a:t>
+            </a:r>
+            <a:r>
+              <a:rPr lang="en-US" altLang="zh-CN" sz="1800" dirty="0"/>
+              <a:t>|</a:t>
+            </a:r>
+            <a:endParaRPr lang="en-US" sz="1800" dirty="0"/>
+          </a:p>
+        </p:txBody>
+      </p:sp>
+      <p:sp>
+        <p:nvSpPr>
+          <p:cNvPr id="5" name="Can 4"/>
+          <p:cNvSpPr>
+            <a:spLocks noChangeAspect="1"/>
+          </p:cNvSpPr>
+          <p:nvPr/>
+        </p:nvSpPr>
+        <p:spPr>
+          <a:xfrm>
+            <a:off x="1205554" y="2155030"/>
+            <a:ext cx="2090057" cy="793666"/>
+          </a:xfrm>
+          <a:prstGeom prst="can">
+            <a:avLst/>
+          </a:prstGeom>
+          <a:ln w="28575"/>
+        </p:spPr>
+        <p:style>
+          <a:lnRef idx="2">
+            <a:schemeClr val="dk1"/>
+          </a:lnRef>
+          <a:fillRef idx="1">
+            <a:schemeClr val="lt1"/>
+          </a:fillRef>
+          <a:effectRef idx="0">
+            <a:schemeClr val="dk1"/>
+          </a:effectRef>
+          <a:fontRef idx="minor">
+            <a:schemeClr val="dk1"/>
+          </a:fontRef>
+        </p:style>
+        <p:txBody>
+          <a:bodyPr rot="0" spcFirstLastPara="0" vertOverflow="overflow" horzOverflow="overflow" vert="horz" wrap="square" lIns="91440" tIns="45720" rIns="91440" bIns="45720" numCol="1" spcCol="0" rtlCol="0" fromWordArt="0" anchor="ctr" anchorCtr="0" forceAA="0" compatLnSpc="1">
+            <a:prstTxWarp prst="textNoShape">
+              <a:avLst/>
+            </a:prstTxWarp>
+            <a:noAutofit/>
+          </a:bodyPr>
+          <a:lstStyle/>
+          <a:p>
+            <a:pPr algn="ctr"/>
+            <a:r>
+              <a:rPr lang="en-US" altLang="zh-CN" sz="1800" dirty="0"/>
+              <a:t>5</a:t>
+            </a:r>
+            <a:r>
+              <a:rPr lang="zh-CN" altLang="en-US" sz="1800" dirty="0"/>
+              <a:t>   </a:t>
+            </a:r>
+            <a:r>
+              <a:rPr lang="en-US" altLang="zh-CN" sz="1800" dirty="0"/>
+              <a:t>|</a:t>
+            </a:r>
+            <a:r>
+              <a:rPr lang="zh-CN" altLang="en-US" sz="1800" dirty="0"/>
+              <a:t>  </a:t>
+            </a:r>
+            <a:r>
+              <a:rPr lang="en-US" altLang="zh-CN" sz="1800" dirty="0"/>
+              <a:t>6</a:t>
+            </a:r>
+            <a:r>
+              <a:rPr lang="zh-CN" altLang="en-US" sz="1800" dirty="0"/>
+              <a:t>  </a:t>
+            </a:r>
+            <a:r>
+              <a:rPr lang="en-US" altLang="zh-CN" sz="1800" dirty="0"/>
+              <a:t>|</a:t>
+            </a:r>
+            <a:r>
+              <a:rPr lang="zh-CN" altLang="en-US" sz="1800" dirty="0"/>
+              <a:t> </a:t>
+            </a:r>
+            <a:r>
+              <a:rPr lang="en-US" altLang="zh-CN" sz="1800" dirty="0"/>
+              <a:t>7</a:t>
+            </a:r>
+            <a:r>
+              <a:rPr lang="zh-CN" altLang="en-US" sz="1800" dirty="0"/>
+              <a:t> </a:t>
+            </a:r>
+            <a:r>
+              <a:rPr lang="en-US" altLang="zh-CN" sz="1800" dirty="0"/>
+              <a:t>|</a:t>
+            </a:r>
+            <a:r>
+              <a:rPr lang="zh-CN" altLang="en-US" sz="1800" dirty="0"/>
+              <a:t> </a:t>
+            </a:r>
+            <a:r>
+              <a:rPr lang="en-US" altLang="zh-CN" sz="1800" dirty="0"/>
+              <a:t>8</a:t>
+            </a:r>
+            <a:r>
+              <a:rPr lang="zh-CN" altLang="en-US" sz="1800" dirty="0"/>
+              <a:t> </a:t>
+            </a:r>
+            <a:r>
+              <a:rPr lang="en-US" altLang="zh-CN" sz="1800" dirty="0"/>
+              <a:t>|</a:t>
+            </a:r>
+            <a:r>
+              <a:rPr lang="zh-CN" altLang="en-US" sz="1800" dirty="0"/>
+              <a:t> </a:t>
+            </a:r>
+            <a:r>
+              <a:rPr lang="en-US" altLang="zh-CN" sz="1800" dirty="0"/>
+              <a:t>9</a:t>
+            </a:r>
+            <a:r>
+              <a:rPr lang="zh-CN" altLang="en-US" sz="1800" dirty="0"/>
+              <a:t> </a:t>
+            </a:r>
+            <a:r>
+              <a:rPr lang="en-US" altLang="zh-CN" sz="1800" dirty="0"/>
+              <a:t>|</a:t>
+            </a:r>
+            <a:endParaRPr lang="en-US" sz="1800" dirty="0"/>
+          </a:p>
+        </p:txBody>
+      </p:sp>
+      <p:sp>
+        <p:nvSpPr>
+          <p:cNvPr id="6" name="Can 5"/>
+          <p:cNvSpPr>
+            <a:spLocks noChangeAspect="1"/>
+          </p:cNvSpPr>
+          <p:nvPr/>
+        </p:nvSpPr>
+        <p:spPr>
+          <a:xfrm>
+            <a:off x="1199615" y="1488031"/>
+            <a:ext cx="2090057" cy="793666"/>
+          </a:xfrm>
+          <a:prstGeom prst="can">
+            <a:avLst/>
+          </a:prstGeom>
+          <a:ln w="28575"/>
+        </p:spPr>
+        <p:style>
+          <a:lnRef idx="2">
+            <a:schemeClr val="dk1"/>
+          </a:lnRef>
+          <a:fillRef idx="1">
+            <a:schemeClr val="lt1"/>
+          </a:fillRef>
+          <a:effectRef idx="0">
+            <a:schemeClr val="dk1"/>
+          </a:effectRef>
+          <a:fontRef idx="minor">
+            <a:schemeClr val="dk1"/>
+          </a:fontRef>
+        </p:style>
+        <p:txBody>
+          <a:bodyPr rot="0" spcFirstLastPara="0" vertOverflow="overflow" horzOverflow="overflow" vert="horz" wrap="square" lIns="91440" tIns="45720" rIns="91440" bIns="45720" numCol="1" spcCol="0" rtlCol="0" fromWordArt="0" anchor="ctr" anchorCtr="0" forceAA="0" compatLnSpc="1">
+            <a:prstTxWarp prst="textNoShape">
+              <a:avLst/>
+            </a:prstTxWarp>
+            <a:noAutofit/>
+          </a:bodyPr>
+          <a:lstStyle/>
+          <a:p>
+            <a:pPr algn="ctr"/>
+            <a:r>
+              <a:rPr lang="en-US" altLang="zh-CN" sz="1800" dirty="0"/>
+              <a:t>0</a:t>
+            </a:r>
+            <a:r>
+              <a:rPr lang="zh-CN" altLang="en-US" sz="1800" dirty="0"/>
+              <a:t>   </a:t>
+            </a:r>
+            <a:r>
+              <a:rPr lang="en-US" altLang="zh-CN" sz="1800" dirty="0"/>
+              <a:t>|</a:t>
+            </a:r>
+            <a:r>
+              <a:rPr lang="zh-CN" altLang="en-US" sz="1800" dirty="0"/>
+              <a:t>  </a:t>
+            </a:r>
+            <a:r>
+              <a:rPr lang="en-US" altLang="zh-CN" sz="1800" dirty="0"/>
+              <a:t>1</a:t>
+            </a:r>
+            <a:r>
+              <a:rPr lang="zh-CN" altLang="en-US" sz="1800" dirty="0"/>
+              <a:t>  </a:t>
+            </a:r>
+            <a:r>
+              <a:rPr lang="en-US" altLang="zh-CN" sz="1800" dirty="0"/>
+              <a:t>|</a:t>
+            </a:r>
+            <a:r>
+              <a:rPr lang="zh-CN" altLang="en-US" sz="1800" dirty="0"/>
+              <a:t> </a:t>
+            </a:r>
+            <a:r>
+              <a:rPr lang="en-US" altLang="zh-CN" sz="1800" dirty="0"/>
+              <a:t>2</a:t>
+            </a:r>
+            <a:r>
+              <a:rPr lang="zh-CN" altLang="en-US" sz="1800" dirty="0"/>
+              <a:t> </a:t>
+            </a:r>
+            <a:r>
+              <a:rPr lang="en-US" altLang="zh-CN" sz="1800" dirty="0"/>
+              <a:t>|</a:t>
+            </a:r>
+            <a:r>
+              <a:rPr lang="zh-CN" altLang="en-US" sz="1800" dirty="0"/>
+              <a:t> </a:t>
+            </a:r>
+            <a:r>
+              <a:rPr lang="en-US" altLang="zh-CN" sz="1800" dirty="0"/>
+              <a:t>3</a:t>
+            </a:r>
+            <a:r>
+              <a:rPr lang="zh-CN" altLang="en-US" sz="1800" dirty="0"/>
+              <a:t> </a:t>
+            </a:r>
+            <a:r>
+              <a:rPr lang="en-US" altLang="zh-CN" sz="1800" dirty="0"/>
+              <a:t>|</a:t>
+            </a:r>
+            <a:r>
+              <a:rPr lang="zh-CN" altLang="en-US" sz="1800" dirty="0"/>
+              <a:t> </a:t>
+            </a:r>
+            <a:r>
+              <a:rPr lang="en-US" altLang="zh-CN" sz="1800" dirty="0"/>
+              <a:t>4</a:t>
+            </a:r>
+            <a:r>
+              <a:rPr lang="zh-CN" altLang="en-US" sz="1800" dirty="0"/>
+              <a:t> </a:t>
+            </a:r>
+            <a:r>
+              <a:rPr lang="en-US" altLang="zh-CN" sz="1800" dirty="0"/>
+              <a:t>|</a:t>
+            </a:r>
+            <a:endParaRPr lang="en-US" sz="1800" dirty="0"/>
+          </a:p>
+        </p:txBody>
+      </p:sp>
+      <p:sp>
+        <p:nvSpPr>
+          <p:cNvPr id="7" name="Can 6"/>
+          <p:cNvSpPr>
+            <a:spLocks noChangeAspect="1"/>
+          </p:cNvSpPr>
+          <p:nvPr/>
+        </p:nvSpPr>
+        <p:spPr>
+          <a:xfrm>
+            <a:off x="1288684" y="961556"/>
+            <a:ext cx="1864427" cy="666999"/>
+          </a:xfrm>
+          <a:prstGeom prst="can">
+            <a:avLst/>
+          </a:prstGeom>
+          <a:ln w="28575"/>
+        </p:spPr>
+        <p:style>
+          <a:lnRef idx="2">
+            <a:schemeClr val="dk1"/>
+          </a:lnRef>
+          <a:fillRef idx="1">
+            <a:schemeClr val="lt1"/>
+          </a:fillRef>
+          <a:effectRef idx="0">
+            <a:schemeClr val="dk1"/>
+          </a:effectRef>
+          <a:fontRef idx="minor">
+            <a:schemeClr val="dk1"/>
+          </a:fontRef>
+        </p:style>
+        <p:txBody>
+          <a:bodyPr rot="0" spcFirstLastPara="0" vertOverflow="overflow" horzOverflow="overflow" vert="horz" wrap="square" lIns="91440" tIns="45720" rIns="91440" bIns="45720" numCol="1" spcCol="0" rtlCol="0" fromWordArt="0" anchor="ctr" anchorCtr="0" forceAA="0" compatLnSpc="1">
+            <a:prstTxWarp prst="textNoShape">
+              <a:avLst/>
+            </a:prstTxWarp>
+            <a:noAutofit/>
+          </a:bodyPr>
+          <a:lstStyle/>
+          <a:p>
+            <a:pPr algn="ctr"/>
+            <a:endParaRPr lang="en-US"/>
+          </a:p>
+        </p:txBody>
+      </p:sp>
+      <p:sp>
+        <p:nvSpPr>
+          <p:cNvPr id="8" name="Can 7"/>
+          <p:cNvSpPr>
+            <a:spLocks noChangeAspect="1"/>
+          </p:cNvSpPr>
+          <p:nvPr/>
+        </p:nvSpPr>
+        <p:spPr>
+          <a:xfrm>
+            <a:off x="1704320" y="340075"/>
+            <a:ext cx="1033153" cy="730332"/>
+          </a:xfrm>
+          <a:prstGeom prst="can">
+            <a:avLst>
+              <a:gd name="adj" fmla="val 13618"/>
+            </a:avLst>
+          </a:prstGeom>
+          <a:ln w="28575"/>
+        </p:spPr>
+        <p:style>
+          <a:lnRef idx="2">
+            <a:schemeClr val="dk1"/>
+          </a:lnRef>
+          <a:fillRef idx="1">
+            <a:schemeClr val="lt1"/>
+          </a:fillRef>
+          <a:effectRef idx="0">
+            <a:schemeClr val="dk1"/>
+          </a:effectRef>
+          <a:fontRef idx="minor">
+            <a:schemeClr val="dk1"/>
+          </a:fontRef>
+        </p:style>
+        <p:txBody>
+          <a:bodyPr rot="0" spcFirstLastPara="0" vertOverflow="overflow" horzOverflow="overflow" vert="horz" wrap="square" lIns="91440" tIns="45720" rIns="91440" bIns="45720" numCol="1" spcCol="0" rtlCol="0" fromWordArt="0" anchor="ctr" anchorCtr="0" forceAA="0" compatLnSpc="1">
+            <a:prstTxWarp prst="textNoShape">
+              <a:avLst/>
+            </a:prstTxWarp>
+            <a:noAutofit/>
+          </a:bodyPr>
+          <a:lstStyle/>
+          <a:p>
+            <a:pPr algn="ctr"/>
+            <a:endParaRPr lang="en-US"/>
+          </a:p>
+        </p:txBody>
+      </p:sp>
+      <p:sp>
+        <p:nvSpPr>
+          <p:cNvPr id="9" name="Up Arrow 8"/>
+          <p:cNvSpPr>
+            <a:spLocks noChangeAspect="1"/>
+          </p:cNvSpPr>
+          <p:nvPr/>
+        </p:nvSpPr>
+        <p:spPr>
+          <a:xfrm>
+            <a:off x="1288683" y="4341078"/>
+            <a:ext cx="261258" cy="381992"/>
+          </a:xfrm>
+          <a:prstGeom prst="upArrow">
+            <a:avLst/>
+          </a:prstGeom>
+          <a:ln w="28575"/>
+        </p:spPr>
+        <p:style>
+          <a:lnRef idx="2">
+            <a:schemeClr val="dk1">
+              <a:shade val="50000"/>
+            </a:schemeClr>
+          </a:lnRef>
+          <a:fillRef idx="1">
+            <a:schemeClr val="dk1"/>
+          </a:fillRef>
+          <a:effectRef idx="0">
+            <a:schemeClr val="dk1"/>
+          </a:effectRef>
+          <a:fontRef idx="minor">
+            <a:schemeClr val="lt1"/>
+          </a:fontRef>
+        </p:style>
+        <p:txBody>
+          <a:bodyPr rot="0" spcFirstLastPara="0" vertOverflow="overflow" horzOverflow="overflow" vert="horz" wrap="square" lIns="91440" tIns="45720" rIns="91440" bIns="45720" numCol="1" spcCol="0" rtlCol="0" fromWordArt="0" anchor="ctr" anchorCtr="0" forceAA="0" compatLnSpc="1">
+            <a:prstTxWarp prst="textNoShape">
+              <a:avLst/>
+            </a:prstTxWarp>
+            <a:noAutofit/>
+          </a:bodyPr>
+          <a:lstStyle/>
+          <a:p>
+            <a:pPr algn="ctr"/>
+            <a:endParaRPr lang="en-US"/>
+          </a:p>
+        </p:txBody>
+      </p:sp>
+      <p:sp>
+        <p:nvSpPr>
+          <p:cNvPr id="10" name="Rectangle 9"/>
+          <p:cNvSpPr/>
+          <p:nvPr/>
+        </p:nvSpPr>
+        <p:spPr>
+          <a:xfrm>
+            <a:off x="3690971" y="1753249"/>
+            <a:ext cx="265471" cy="299164"/>
+          </a:xfrm>
+          <a:prstGeom prst="rect">
+            <a:avLst/>
+          </a:prstGeom>
+        </p:spPr>
+        <p:style>
+          <a:lnRef idx="2">
+            <a:schemeClr val="dk1"/>
+          </a:lnRef>
+          <a:fillRef idx="1">
+            <a:schemeClr val="lt1"/>
+          </a:fillRef>
+          <a:effectRef idx="0">
+            <a:schemeClr val="dk1"/>
+          </a:effectRef>
+          <a:fontRef idx="minor">
+            <a:schemeClr val="dk1"/>
+          </a:fontRef>
+        </p:style>
+        <p:txBody>
+          <a:bodyPr rtlCol="0" anchor="ctr"/>
+          <a:lstStyle/>
+          <a:p>
+            <a:pPr algn="ctr"/>
+            <a:r>
+              <a:rPr lang="en-US" altLang="zh-CN" dirty="0" smtClean="0"/>
+              <a:t>1</a:t>
+            </a:r>
+            <a:endParaRPr lang="en-US" dirty="0"/>
+          </a:p>
+        </p:txBody>
+      </p:sp>
+      <p:sp>
+        <p:nvSpPr>
+          <p:cNvPr id="11" name="Rectangle 10"/>
+          <p:cNvSpPr/>
+          <p:nvPr/>
+        </p:nvSpPr>
+        <p:spPr>
+          <a:xfrm>
+            <a:off x="3951531" y="1753249"/>
+            <a:ext cx="265471" cy="299164"/>
+          </a:xfrm>
+          <a:prstGeom prst="rect">
+            <a:avLst/>
+          </a:prstGeom>
+        </p:spPr>
+        <p:style>
+          <a:lnRef idx="2">
+            <a:schemeClr val="dk1"/>
+          </a:lnRef>
+          <a:fillRef idx="1">
+            <a:schemeClr val="lt1"/>
+          </a:fillRef>
+          <a:effectRef idx="0">
+            <a:schemeClr val="dk1"/>
+          </a:effectRef>
+          <a:fontRef idx="minor">
+            <a:schemeClr val="dk1"/>
+          </a:fontRef>
+        </p:style>
+        <p:txBody>
+          <a:bodyPr rtlCol="0" anchor="ctr"/>
+          <a:lstStyle/>
+          <a:p>
+            <a:pPr algn="ctr"/>
+            <a:r>
+              <a:rPr lang="en-US" altLang="zh-CN" dirty="0"/>
+              <a:t>2</a:t>
+            </a:r>
+            <a:endParaRPr lang="en-US" dirty="0"/>
+          </a:p>
+        </p:txBody>
+      </p:sp>
+      <p:sp>
+        <p:nvSpPr>
+          <p:cNvPr id="12" name="Rectangle 11"/>
+          <p:cNvSpPr/>
+          <p:nvPr/>
+        </p:nvSpPr>
+        <p:spPr>
+          <a:xfrm>
+            <a:off x="4222064" y="1753249"/>
+            <a:ext cx="265471" cy="299164"/>
+          </a:xfrm>
+          <a:prstGeom prst="rect">
+            <a:avLst/>
+          </a:prstGeom>
+        </p:spPr>
+        <p:style>
+          <a:lnRef idx="2">
+            <a:schemeClr val="dk1"/>
+          </a:lnRef>
+          <a:fillRef idx="1">
+            <a:schemeClr val="lt1"/>
+          </a:fillRef>
+          <a:effectRef idx="0">
+            <a:schemeClr val="dk1"/>
+          </a:effectRef>
+          <a:fontRef idx="minor">
+            <a:schemeClr val="dk1"/>
+          </a:fontRef>
+        </p:style>
+        <p:txBody>
+          <a:bodyPr rtlCol="0" anchor="ctr"/>
+          <a:lstStyle/>
+          <a:p>
+            <a:pPr algn="ctr"/>
+            <a:r>
+              <a:rPr lang="en-US" altLang="zh-CN" dirty="0" smtClean="0"/>
+              <a:t>3</a:t>
+            </a:r>
+            <a:endParaRPr lang="en-US" dirty="0"/>
+          </a:p>
+        </p:txBody>
+      </p:sp>
+      <p:sp>
+        <p:nvSpPr>
+          <p:cNvPr id="13" name="Rectangle 12"/>
+          <p:cNvSpPr/>
+          <p:nvPr/>
+        </p:nvSpPr>
+        <p:spPr>
+          <a:xfrm>
+            <a:off x="4482624" y="1753249"/>
+            <a:ext cx="265471" cy="299164"/>
+          </a:xfrm>
+          <a:prstGeom prst="rect">
+            <a:avLst/>
+          </a:prstGeom>
+        </p:spPr>
+        <p:style>
+          <a:lnRef idx="2">
+            <a:schemeClr val="dk1"/>
+          </a:lnRef>
+          <a:fillRef idx="1">
+            <a:schemeClr val="lt1"/>
+          </a:fillRef>
+          <a:effectRef idx="0">
+            <a:schemeClr val="dk1"/>
+          </a:effectRef>
+          <a:fontRef idx="minor">
+            <a:schemeClr val="dk1"/>
+          </a:fontRef>
+        </p:style>
+        <p:txBody>
+          <a:bodyPr rtlCol="0" anchor="ctr"/>
+          <a:lstStyle/>
+          <a:p>
+            <a:pPr algn="ctr"/>
+            <a:r>
+              <a:rPr lang="en-US" altLang="zh-CN" dirty="0" smtClean="0"/>
+              <a:t>4</a:t>
+            </a:r>
+            <a:endParaRPr lang="en-US" dirty="0"/>
+          </a:p>
+        </p:txBody>
+      </p:sp>
+      <p:sp>
+        <p:nvSpPr>
+          <p:cNvPr id="14" name="Rectangle 13"/>
+          <p:cNvSpPr/>
+          <p:nvPr/>
+        </p:nvSpPr>
+        <p:spPr>
+          <a:xfrm>
+            <a:off x="4748095" y="1753249"/>
+            <a:ext cx="265471" cy="299164"/>
+          </a:xfrm>
+          <a:prstGeom prst="rect">
+            <a:avLst/>
+          </a:prstGeom>
+        </p:spPr>
+        <p:style>
+          <a:lnRef idx="2">
+            <a:schemeClr val="dk1"/>
+          </a:lnRef>
+          <a:fillRef idx="1">
+            <a:schemeClr val="lt1"/>
+          </a:fillRef>
+          <a:effectRef idx="0">
+            <a:schemeClr val="dk1"/>
+          </a:effectRef>
+          <a:fontRef idx="minor">
+            <a:schemeClr val="dk1"/>
+          </a:fontRef>
+        </p:style>
+        <p:txBody>
+          <a:bodyPr rtlCol="0" anchor="ctr"/>
+          <a:lstStyle/>
+          <a:p>
+            <a:pPr algn="ctr"/>
+            <a:r>
+              <a:rPr lang="en-US" altLang="zh-CN" dirty="0" smtClean="0"/>
+              <a:t>5</a:t>
+            </a:r>
+            <a:endParaRPr lang="en-US" dirty="0"/>
+          </a:p>
+        </p:txBody>
+      </p:sp>
+      <p:sp>
+        <p:nvSpPr>
+          <p:cNvPr id="15" name="Rectangle 14"/>
+          <p:cNvSpPr/>
+          <p:nvPr/>
+        </p:nvSpPr>
+        <p:spPr>
+          <a:xfrm>
+            <a:off x="5008655" y="1753249"/>
+            <a:ext cx="265471" cy="299164"/>
+          </a:xfrm>
+          <a:prstGeom prst="rect">
+            <a:avLst/>
+          </a:prstGeom>
+        </p:spPr>
+        <p:style>
+          <a:lnRef idx="2">
+            <a:schemeClr val="dk1"/>
+          </a:lnRef>
+          <a:fillRef idx="1">
+            <a:schemeClr val="lt1"/>
+          </a:fillRef>
+          <a:effectRef idx="0">
+            <a:schemeClr val="dk1"/>
+          </a:effectRef>
+          <a:fontRef idx="minor">
+            <a:schemeClr val="dk1"/>
+          </a:fontRef>
+        </p:style>
+        <p:txBody>
+          <a:bodyPr rtlCol="0" anchor="ctr"/>
+          <a:lstStyle/>
+          <a:p>
+            <a:pPr algn="ctr"/>
+            <a:r>
+              <a:rPr lang="en-US" altLang="zh-CN" dirty="0" smtClean="0"/>
+              <a:t>6</a:t>
+            </a:r>
+            <a:endParaRPr lang="en-US" dirty="0"/>
+          </a:p>
+        </p:txBody>
+      </p:sp>
+      <p:sp>
+        <p:nvSpPr>
+          <p:cNvPr id="16" name="Rectangle 15"/>
+          <p:cNvSpPr/>
+          <p:nvPr/>
+        </p:nvSpPr>
+        <p:spPr>
+          <a:xfrm>
+            <a:off x="5269952" y="1753249"/>
+            <a:ext cx="265471" cy="299164"/>
+          </a:xfrm>
+          <a:prstGeom prst="rect">
+            <a:avLst/>
+          </a:prstGeom>
+        </p:spPr>
+        <p:style>
+          <a:lnRef idx="2">
+            <a:schemeClr val="dk1"/>
+          </a:lnRef>
+          <a:fillRef idx="1">
+            <a:schemeClr val="lt1"/>
+          </a:fillRef>
+          <a:effectRef idx="0">
+            <a:schemeClr val="dk1"/>
+          </a:effectRef>
+          <a:fontRef idx="minor">
+            <a:schemeClr val="dk1"/>
+          </a:fontRef>
+        </p:style>
+        <p:txBody>
+          <a:bodyPr rtlCol="0" anchor="ctr"/>
+          <a:lstStyle/>
+          <a:p>
+            <a:pPr algn="ctr"/>
+            <a:r>
+              <a:rPr lang="en-US" altLang="zh-CN" dirty="0" smtClean="0"/>
+              <a:t>7</a:t>
+            </a:r>
+            <a:endParaRPr lang="en-US" dirty="0"/>
+          </a:p>
+        </p:txBody>
+      </p:sp>
+      <p:sp>
+        <p:nvSpPr>
+          <p:cNvPr id="17" name="Rectangle 16"/>
+          <p:cNvSpPr/>
+          <p:nvPr/>
+        </p:nvSpPr>
+        <p:spPr>
+          <a:xfrm>
+            <a:off x="5530512" y="1753249"/>
+            <a:ext cx="265471" cy="299164"/>
+          </a:xfrm>
+          <a:prstGeom prst="rect">
+            <a:avLst/>
+          </a:prstGeom>
+        </p:spPr>
+        <p:style>
+          <a:lnRef idx="2">
+            <a:schemeClr val="dk1"/>
+          </a:lnRef>
+          <a:fillRef idx="1">
+            <a:schemeClr val="lt1"/>
+          </a:fillRef>
+          <a:effectRef idx="0">
+            <a:schemeClr val="dk1"/>
+          </a:effectRef>
+          <a:fontRef idx="minor">
+            <a:schemeClr val="dk1"/>
+          </a:fontRef>
+        </p:style>
+        <p:txBody>
+          <a:bodyPr rtlCol="0" anchor="ctr"/>
+          <a:lstStyle/>
+          <a:p>
+            <a:pPr algn="ctr"/>
+            <a:r>
+              <a:rPr lang="en-US" altLang="zh-CN" dirty="0" smtClean="0"/>
+              <a:t>8</a:t>
+            </a:r>
+            <a:endParaRPr lang="en-US" dirty="0"/>
+          </a:p>
+        </p:txBody>
+      </p:sp>
+      <p:sp>
+        <p:nvSpPr>
+          <p:cNvPr id="18" name="Rectangle 17"/>
+          <p:cNvSpPr/>
+          <p:nvPr/>
+        </p:nvSpPr>
+        <p:spPr>
+          <a:xfrm>
+            <a:off x="3427956" y="1753249"/>
+            <a:ext cx="265471" cy="299164"/>
+          </a:xfrm>
+          <a:prstGeom prst="rect">
+            <a:avLst/>
+          </a:prstGeom>
+        </p:spPr>
+        <p:style>
+          <a:lnRef idx="2">
+            <a:schemeClr val="dk1"/>
+          </a:lnRef>
+          <a:fillRef idx="1">
+            <a:schemeClr val="lt1"/>
+          </a:fillRef>
+          <a:effectRef idx="0">
+            <a:schemeClr val="dk1"/>
+          </a:effectRef>
+          <a:fontRef idx="minor">
+            <a:schemeClr val="dk1"/>
+          </a:fontRef>
+        </p:style>
+        <p:txBody>
+          <a:bodyPr rtlCol="0" anchor="ctr"/>
+          <a:lstStyle/>
+          <a:p>
+            <a:pPr algn="ctr"/>
+            <a:r>
+              <a:rPr lang="en-US" altLang="zh-CN" dirty="0" smtClean="0"/>
+              <a:t>0</a:t>
+            </a:r>
+            <a:endParaRPr lang="en-US" dirty="0"/>
+          </a:p>
+        </p:txBody>
+      </p:sp>
+      <p:sp>
+        <p:nvSpPr>
+          <p:cNvPr id="19" name="Rectangle 18"/>
+          <p:cNvSpPr/>
+          <p:nvPr/>
+        </p:nvSpPr>
+        <p:spPr>
+          <a:xfrm>
+            <a:off x="5791072" y="1753249"/>
+            <a:ext cx="265471" cy="299164"/>
+          </a:xfrm>
+          <a:prstGeom prst="rect">
+            <a:avLst/>
+          </a:prstGeom>
+        </p:spPr>
+        <p:style>
+          <a:lnRef idx="2">
+            <a:schemeClr val="dk1"/>
+          </a:lnRef>
+          <a:fillRef idx="1">
+            <a:schemeClr val="lt1"/>
+          </a:fillRef>
+          <a:effectRef idx="0">
+            <a:schemeClr val="dk1"/>
+          </a:effectRef>
+          <a:fontRef idx="minor">
+            <a:schemeClr val="dk1"/>
+          </a:fontRef>
+        </p:style>
+        <p:txBody>
+          <a:bodyPr rtlCol="0" anchor="ctr"/>
+          <a:lstStyle/>
+          <a:p>
+            <a:pPr algn="ctr"/>
+            <a:r>
+              <a:rPr lang="en-US" altLang="zh-CN" dirty="0" smtClean="0"/>
+              <a:t>9</a:t>
+            </a:r>
+            <a:endParaRPr lang="en-US" dirty="0"/>
+          </a:p>
+        </p:txBody>
+      </p:sp>
+      <p:sp>
+        <p:nvSpPr>
+          <p:cNvPr id="21" name="Rectangle 20"/>
+          <p:cNvSpPr/>
+          <p:nvPr/>
+        </p:nvSpPr>
+        <p:spPr>
+          <a:xfrm>
+            <a:off x="3690971" y="2395177"/>
+            <a:ext cx="265471" cy="299164"/>
+          </a:xfrm>
+          <a:prstGeom prst="rect">
+            <a:avLst/>
+          </a:prstGeom>
+        </p:spPr>
+        <p:style>
+          <a:lnRef idx="2">
+            <a:schemeClr val="dk1"/>
+          </a:lnRef>
+          <a:fillRef idx="1">
+            <a:schemeClr val="lt1"/>
+          </a:fillRef>
+          <a:effectRef idx="0">
+            <a:schemeClr val="dk1"/>
+          </a:effectRef>
+          <a:fontRef idx="minor">
+            <a:schemeClr val="dk1"/>
+          </a:fontRef>
+        </p:style>
+        <p:txBody>
+          <a:bodyPr rtlCol="0" anchor="ctr"/>
+          <a:lstStyle/>
+          <a:p>
+            <a:pPr algn="ctr"/>
+            <a:r>
+              <a:rPr lang="en-US" altLang="zh-CN" dirty="0" smtClean="0"/>
+              <a:t>1</a:t>
+            </a:r>
+            <a:endParaRPr lang="en-US" dirty="0"/>
+          </a:p>
+        </p:txBody>
+      </p:sp>
+      <p:sp>
+        <p:nvSpPr>
+          <p:cNvPr id="22" name="Rectangle 21"/>
+          <p:cNvSpPr/>
+          <p:nvPr/>
+        </p:nvSpPr>
+        <p:spPr>
+          <a:xfrm>
+            <a:off x="3951531" y="2395177"/>
+            <a:ext cx="265471" cy="299164"/>
+          </a:xfrm>
+          <a:prstGeom prst="rect">
+            <a:avLst/>
+          </a:prstGeom>
+        </p:spPr>
+        <p:style>
+          <a:lnRef idx="2">
+            <a:schemeClr val="dk1"/>
+          </a:lnRef>
+          <a:fillRef idx="1">
+            <a:schemeClr val="lt1"/>
+          </a:fillRef>
+          <a:effectRef idx="0">
+            <a:schemeClr val="dk1"/>
+          </a:effectRef>
+          <a:fontRef idx="minor">
+            <a:schemeClr val="dk1"/>
+          </a:fontRef>
+        </p:style>
+        <p:txBody>
+          <a:bodyPr rtlCol="0" anchor="ctr"/>
+          <a:lstStyle/>
+          <a:p>
+            <a:pPr algn="ctr"/>
+            <a:r>
+              <a:rPr lang="en-US" altLang="zh-CN" dirty="0"/>
+              <a:t>2</a:t>
+            </a:r>
+            <a:endParaRPr lang="en-US" dirty="0"/>
+          </a:p>
+        </p:txBody>
+      </p:sp>
+      <p:sp>
+        <p:nvSpPr>
+          <p:cNvPr id="23" name="Rectangle 22"/>
+          <p:cNvSpPr/>
+          <p:nvPr/>
+        </p:nvSpPr>
+        <p:spPr>
+          <a:xfrm>
+            <a:off x="4222064" y="2395177"/>
+            <a:ext cx="265471" cy="299164"/>
+          </a:xfrm>
+          <a:prstGeom prst="rect">
+            <a:avLst/>
+          </a:prstGeom>
+        </p:spPr>
+        <p:style>
+          <a:lnRef idx="2">
+            <a:schemeClr val="dk1"/>
+          </a:lnRef>
+          <a:fillRef idx="1">
+            <a:schemeClr val="lt1"/>
+          </a:fillRef>
+          <a:effectRef idx="0">
+            <a:schemeClr val="dk1"/>
+          </a:effectRef>
+          <a:fontRef idx="minor">
+            <a:schemeClr val="dk1"/>
+          </a:fontRef>
+        </p:style>
+        <p:txBody>
+          <a:bodyPr rtlCol="0" anchor="ctr"/>
+          <a:lstStyle/>
+          <a:p>
+            <a:pPr algn="ctr"/>
+            <a:r>
+              <a:rPr lang="en-US" altLang="zh-CN" dirty="0" smtClean="0"/>
+              <a:t>3</a:t>
+            </a:r>
+            <a:endParaRPr lang="en-US" dirty="0"/>
+          </a:p>
+        </p:txBody>
+      </p:sp>
+      <p:sp>
+        <p:nvSpPr>
+          <p:cNvPr id="24" name="Rectangle 23"/>
+          <p:cNvSpPr/>
+          <p:nvPr/>
+        </p:nvSpPr>
+        <p:spPr>
+          <a:xfrm>
+            <a:off x="4482624" y="2395177"/>
+            <a:ext cx="265471" cy="299164"/>
+          </a:xfrm>
+          <a:prstGeom prst="rect">
+            <a:avLst/>
+          </a:prstGeom>
+        </p:spPr>
+        <p:style>
+          <a:lnRef idx="2">
+            <a:schemeClr val="dk1"/>
+          </a:lnRef>
+          <a:fillRef idx="1">
+            <a:schemeClr val="lt1"/>
+          </a:fillRef>
+          <a:effectRef idx="0">
+            <a:schemeClr val="dk1"/>
+          </a:effectRef>
+          <a:fontRef idx="minor">
+            <a:schemeClr val="dk1"/>
+          </a:fontRef>
+        </p:style>
+        <p:txBody>
+          <a:bodyPr rtlCol="0" anchor="ctr"/>
+          <a:lstStyle/>
+          <a:p>
+            <a:pPr algn="ctr"/>
+            <a:r>
+              <a:rPr lang="en-US" altLang="zh-CN" dirty="0" smtClean="0"/>
+              <a:t>4</a:t>
+            </a:r>
+            <a:endParaRPr lang="en-US" dirty="0"/>
+          </a:p>
+        </p:txBody>
+      </p:sp>
+      <p:sp>
+        <p:nvSpPr>
+          <p:cNvPr id="25" name="Rectangle 24"/>
+          <p:cNvSpPr/>
+          <p:nvPr/>
+        </p:nvSpPr>
+        <p:spPr>
+          <a:xfrm>
+            <a:off x="4748095" y="2395177"/>
+            <a:ext cx="265471" cy="299164"/>
+          </a:xfrm>
+          <a:prstGeom prst="rect">
+            <a:avLst/>
+          </a:prstGeom>
+        </p:spPr>
+        <p:style>
+          <a:lnRef idx="2">
+            <a:schemeClr val="dk1"/>
+          </a:lnRef>
+          <a:fillRef idx="1">
+            <a:schemeClr val="lt1"/>
+          </a:fillRef>
+          <a:effectRef idx="0">
+            <a:schemeClr val="dk1"/>
+          </a:effectRef>
+          <a:fontRef idx="minor">
+            <a:schemeClr val="dk1"/>
+          </a:fontRef>
+        </p:style>
+        <p:txBody>
+          <a:bodyPr rtlCol="0" anchor="ctr"/>
+          <a:lstStyle/>
+          <a:p>
+            <a:pPr algn="ctr"/>
+            <a:r>
+              <a:rPr lang="en-US" altLang="zh-CN" dirty="0" smtClean="0"/>
+              <a:t>5</a:t>
+            </a:r>
+            <a:endParaRPr lang="en-US" dirty="0"/>
+          </a:p>
+        </p:txBody>
+      </p:sp>
+      <p:sp>
+        <p:nvSpPr>
+          <p:cNvPr id="26" name="Rectangle 25"/>
+          <p:cNvSpPr/>
+          <p:nvPr/>
+        </p:nvSpPr>
+        <p:spPr>
+          <a:xfrm>
+            <a:off x="5008655" y="2395177"/>
+            <a:ext cx="265471" cy="299164"/>
+          </a:xfrm>
+          <a:prstGeom prst="rect">
+            <a:avLst/>
+          </a:prstGeom>
+        </p:spPr>
+        <p:style>
+          <a:lnRef idx="2">
+            <a:schemeClr val="dk1"/>
+          </a:lnRef>
+          <a:fillRef idx="1">
+            <a:schemeClr val="lt1"/>
+          </a:fillRef>
+          <a:effectRef idx="0">
+            <a:schemeClr val="dk1"/>
+          </a:effectRef>
+          <a:fontRef idx="minor">
+            <a:schemeClr val="dk1"/>
+          </a:fontRef>
+        </p:style>
+        <p:txBody>
+          <a:bodyPr rtlCol="0" anchor="ctr"/>
+          <a:lstStyle/>
+          <a:p>
+            <a:pPr algn="ctr"/>
+            <a:r>
+              <a:rPr lang="en-US" altLang="zh-CN" dirty="0" smtClean="0"/>
+              <a:t>6</a:t>
+            </a:r>
+            <a:endParaRPr lang="en-US" dirty="0"/>
+          </a:p>
+        </p:txBody>
+      </p:sp>
+      <p:sp>
+        <p:nvSpPr>
+          <p:cNvPr id="27" name="Rectangle 26"/>
+          <p:cNvSpPr/>
+          <p:nvPr/>
+        </p:nvSpPr>
+        <p:spPr>
+          <a:xfrm>
+            <a:off x="5269952" y="2395177"/>
+            <a:ext cx="265471" cy="299164"/>
+          </a:xfrm>
+          <a:prstGeom prst="rect">
+            <a:avLst/>
+          </a:prstGeom>
+        </p:spPr>
+        <p:style>
+          <a:lnRef idx="2">
+            <a:schemeClr val="dk1"/>
+          </a:lnRef>
+          <a:fillRef idx="1">
+            <a:schemeClr val="lt1"/>
+          </a:fillRef>
+          <a:effectRef idx="0">
+            <a:schemeClr val="dk1"/>
+          </a:effectRef>
+          <a:fontRef idx="minor">
+            <a:schemeClr val="dk1"/>
+          </a:fontRef>
+        </p:style>
+        <p:txBody>
+          <a:bodyPr rtlCol="0" anchor="ctr"/>
+          <a:lstStyle/>
+          <a:p>
+            <a:pPr algn="ctr"/>
+            <a:r>
+              <a:rPr lang="en-US" altLang="zh-CN" dirty="0" smtClean="0"/>
+              <a:t>7</a:t>
+            </a:r>
+            <a:endParaRPr lang="en-US" dirty="0"/>
+          </a:p>
+        </p:txBody>
+      </p:sp>
+      <p:sp>
+        <p:nvSpPr>
+          <p:cNvPr id="28" name="Rectangle 27"/>
+          <p:cNvSpPr/>
+          <p:nvPr/>
+        </p:nvSpPr>
+        <p:spPr>
+          <a:xfrm>
+            <a:off x="5530512" y="2395177"/>
+            <a:ext cx="265471" cy="299164"/>
+          </a:xfrm>
+          <a:prstGeom prst="rect">
+            <a:avLst/>
+          </a:prstGeom>
+        </p:spPr>
+        <p:style>
+          <a:lnRef idx="2">
+            <a:schemeClr val="dk1"/>
+          </a:lnRef>
+          <a:fillRef idx="1">
+            <a:schemeClr val="lt1"/>
+          </a:fillRef>
+          <a:effectRef idx="0">
+            <a:schemeClr val="dk1"/>
+          </a:effectRef>
+          <a:fontRef idx="minor">
+            <a:schemeClr val="dk1"/>
+          </a:fontRef>
+        </p:style>
+        <p:txBody>
+          <a:bodyPr rtlCol="0" anchor="ctr"/>
+          <a:lstStyle/>
+          <a:p>
+            <a:pPr algn="ctr"/>
+            <a:r>
+              <a:rPr lang="en-US" altLang="zh-CN" dirty="0" smtClean="0"/>
+              <a:t>8</a:t>
+            </a:r>
+            <a:endParaRPr lang="en-US" dirty="0"/>
+          </a:p>
+        </p:txBody>
+      </p:sp>
+      <p:sp>
+        <p:nvSpPr>
+          <p:cNvPr id="29" name="Rectangle 28"/>
+          <p:cNvSpPr/>
+          <p:nvPr/>
+        </p:nvSpPr>
+        <p:spPr>
+          <a:xfrm>
+            <a:off x="3427956" y="2395177"/>
+            <a:ext cx="265471" cy="299164"/>
+          </a:xfrm>
+          <a:prstGeom prst="rect">
+            <a:avLst/>
+          </a:prstGeom>
+        </p:spPr>
+        <p:style>
+          <a:lnRef idx="2">
+            <a:schemeClr val="dk1"/>
+          </a:lnRef>
+          <a:fillRef idx="1">
+            <a:schemeClr val="lt1"/>
+          </a:fillRef>
+          <a:effectRef idx="0">
+            <a:schemeClr val="dk1"/>
+          </a:effectRef>
+          <a:fontRef idx="minor">
+            <a:schemeClr val="dk1"/>
+          </a:fontRef>
+        </p:style>
+        <p:txBody>
+          <a:bodyPr rtlCol="0" anchor="ctr"/>
+          <a:lstStyle/>
+          <a:p>
+            <a:pPr algn="ctr"/>
+            <a:r>
+              <a:rPr lang="en-US" altLang="zh-CN" dirty="0" smtClean="0"/>
+              <a:t>0</a:t>
+            </a:r>
+            <a:endParaRPr lang="en-US" dirty="0"/>
+          </a:p>
+        </p:txBody>
+      </p:sp>
+      <p:sp>
+        <p:nvSpPr>
+          <p:cNvPr id="30" name="Rectangle 29"/>
+          <p:cNvSpPr/>
+          <p:nvPr/>
+        </p:nvSpPr>
+        <p:spPr>
+          <a:xfrm>
+            <a:off x="5791072" y="2395177"/>
+            <a:ext cx="265471" cy="299164"/>
+          </a:xfrm>
+          <a:prstGeom prst="rect">
+            <a:avLst/>
+          </a:prstGeom>
+        </p:spPr>
+        <p:style>
+          <a:lnRef idx="2">
+            <a:schemeClr val="dk1"/>
+          </a:lnRef>
+          <a:fillRef idx="1">
+            <a:schemeClr val="lt1"/>
+          </a:fillRef>
+          <a:effectRef idx="0">
+            <a:schemeClr val="dk1"/>
+          </a:effectRef>
+          <a:fontRef idx="minor">
+            <a:schemeClr val="dk1"/>
+          </a:fontRef>
+        </p:style>
+        <p:txBody>
+          <a:bodyPr rtlCol="0" anchor="ctr"/>
+          <a:lstStyle/>
+          <a:p>
+            <a:pPr algn="ctr"/>
+            <a:r>
+              <a:rPr lang="en-US" altLang="zh-CN" dirty="0" smtClean="0"/>
+              <a:t>9</a:t>
+            </a:r>
+            <a:endParaRPr lang="en-US" dirty="0"/>
+          </a:p>
+        </p:txBody>
+      </p:sp>
+      <p:sp>
+        <p:nvSpPr>
+          <p:cNvPr id="31" name="Rectangle 30"/>
+          <p:cNvSpPr/>
+          <p:nvPr/>
+        </p:nvSpPr>
+        <p:spPr>
+          <a:xfrm>
+            <a:off x="3690971" y="3037105"/>
+            <a:ext cx="265471" cy="299164"/>
+          </a:xfrm>
+          <a:prstGeom prst="rect">
+            <a:avLst/>
+          </a:prstGeom>
+        </p:spPr>
+        <p:style>
+          <a:lnRef idx="2">
+            <a:schemeClr val="dk1"/>
+          </a:lnRef>
+          <a:fillRef idx="1">
+            <a:schemeClr val="lt1"/>
+          </a:fillRef>
+          <a:effectRef idx="0">
+            <a:schemeClr val="dk1"/>
+          </a:effectRef>
+          <a:fontRef idx="minor">
+            <a:schemeClr val="dk1"/>
+          </a:fontRef>
+        </p:style>
+        <p:txBody>
+          <a:bodyPr rtlCol="0" anchor="ctr"/>
+          <a:lstStyle/>
+          <a:p>
+            <a:pPr algn="ctr"/>
+            <a:r>
+              <a:rPr lang="en-US" altLang="zh-CN" dirty="0" smtClean="0"/>
+              <a:t>1</a:t>
+            </a:r>
+            <a:endParaRPr lang="en-US" dirty="0"/>
+          </a:p>
+        </p:txBody>
+      </p:sp>
+      <p:sp>
+        <p:nvSpPr>
+          <p:cNvPr id="32" name="Rectangle 31"/>
+          <p:cNvSpPr/>
+          <p:nvPr/>
+        </p:nvSpPr>
+        <p:spPr>
+          <a:xfrm>
+            <a:off x="3951531" y="3037105"/>
+            <a:ext cx="265471" cy="299164"/>
+          </a:xfrm>
+          <a:prstGeom prst="rect">
+            <a:avLst/>
+          </a:prstGeom>
+        </p:spPr>
+        <p:style>
+          <a:lnRef idx="2">
+            <a:schemeClr val="dk1"/>
+          </a:lnRef>
+          <a:fillRef idx="1">
+            <a:schemeClr val="lt1"/>
+          </a:fillRef>
+          <a:effectRef idx="0">
+            <a:schemeClr val="dk1"/>
+          </a:effectRef>
+          <a:fontRef idx="minor">
+            <a:schemeClr val="dk1"/>
+          </a:fontRef>
+        </p:style>
+        <p:txBody>
+          <a:bodyPr rtlCol="0" anchor="ctr"/>
+          <a:lstStyle/>
+          <a:p>
+            <a:pPr algn="ctr"/>
+            <a:r>
+              <a:rPr lang="en-US" altLang="zh-CN" dirty="0"/>
+              <a:t>2</a:t>
+            </a:r>
+            <a:endParaRPr lang="en-US" dirty="0"/>
+          </a:p>
+        </p:txBody>
+      </p:sp>
+      <p:sp>
+        <p:nvSpPr>
+          <p:cNvPr id="33" name="Rectangle 32"/>
+          <p:cNvSpPr/>
+          <p:nvPr/>
+        </p:nvSpPr>
+        <p:spPr>
+          <a:xfrm>
+            <a:off x="4222064" y="3037105"/>
+            <a:ext cx="265471" cy="299164"/>
+          </a:xfrm>
+          <a:prstGeom prst="rect">
+            <a:avLst/>
+          </a:prstGeom>
+        </p:spPr>
+        <p:style>
+          <a:lnRef idx="2">
+            <a:schemeClr val="dk1"/>
+          </a:lnRef>
+          <a:fillRef idx="1">
+            <a:schemeClr val="lt1"/>
+          </a:fillRef>
+          <a:effectRef idx="0">
+            <a:schemeClr val="dk1"/>
+          </a:effectRef>
+          <a:fontRef idx="minor">
+            <a:schemeClr val="dk1"/>
+          </a:fontRef>
+        </p:style>
+        <p:txBody>
+          <a:bodyPr rtlCol="0" anchor="ctr"/>
+          <a:lstStyle/>
+          <a:p>
+            <a:pPr algn="ctr"/>
+            <a:r>
+              <a:rPr lang="en-US" altLang="zh-CN" dirty="0" smtClean="0"/>
+              <a:t>3</a:t>
+            </a:r>
+            <a:endParaRPr lang="en-US" dirty="0"/>
+          </a:p>
+        </p:txBody>
+      </p:sp>
+      <p:sp>
+        <p:nvSpPr>
+          <p:cNvPr id="34" name="Rectangle 33"/>
+          <p:cNvSpPr/>
+          <p:nvPr/>
+        </p:nvSpPr>
+        <p:spPr>
+          <a:xfrm>
+            <a:off x="4482624" y="3037105"/>
+            <a:ext cx="265471" cy="299164"/>
+          </a:xfrm>
+          <a:prstGeom prst="rect">
+            <a:avLst/>
+          </a:prstGeom>
+        </p:spPr>
+        <p:style>
+          <a:lnRef idx="2">
+            <a:schemeClr val="dk1"/>
+          </a:lnRef>
+          <a:fillRef idx="1">
+            <a:schemeClr val="lt1"/>
+          </a:fillRef>
+          <a:effectRef idx="0">
+            <a:schemeClr val="dk1"/>
+          </a:effectRef>
+          <a:fontRef idx="minor">
+            <a:schemeClr val="dk1"/>
+          </a:fontRef>
+        </p:style>
+        <p:txBody>
+          <a:bodyPr rtlCol="0" anchor="ctr"/>
+          <a:lstStyle/>
+          <a:p>
+            <a:pPr algn="ctr"/>
+            <a:r>
+              <a:rPr lang="en-US" altLang="zh-CN" dirty="0" smtClean="0"/>
+              <a:t>4</a:t>
+            </a:r>
+            <a:endParaRPr lang="en-US" dirty="0"/>
+          </a:p>
+        </p:txBody>
+      </p:sp>
+      <p:sp>
+        <p:nvSpPr>
+          <p:cNvPr id="35" name="Rectangle 34"/>
+          <p:cNvSpPr/>
+          <p:nvPr/>
+        </p:nvSpPr>
+        <p:spPr>
+          <a:xfrm>
+            <a:off x="4748095" y="3037105"/>
+            <a:ext cx="265471" cy="299164"/>
+          </a:xfrm>
+          <a:prstGeom prst="rect">
+            <a:avLst/>
+          </a:prstGeom>
+        </p:spPr>
+        <p:style>
+          <a:lnRef idx="2">
+            <a:schemeClr val="dk1"/>
+          </a:lnRef>
+          <a:fillRef idx="1">
+            <a:schemeClr val="lt1"/>
+          </a:fillRef>
+          <a:effectRef idx="0">
+            <a:schemeClr val="dk1"/>
+          </a:effectRef>
+          <a:fontRef idx="minor">
+            <a:schemeClr val="dk1"/>
+          </a:fontRef>
+        </p:style>
+        <p:txBody>
+          <a:bodyPr rtlCol="0" anchor="ctr"/>
+          <a:lstStyle/>
+          <a:p>
+            <a:pPr algn="ctr"/>
+            <a:r>
+              <a:rPr lang="en-US" altLang="zh-CN" dirty="0" smtClean="0"/>
+              <a:t>5</a:t>
+            </a:r>
+            <a:endParaRPr lang="en-US" dirty="0"/>
+          </a:p>
+        </p:txBody>
+      </p:sp>
+      <p:sp>
+        <p:nvSpPr>
+          <p:cNvPr id="36" name="Rectangle 35"/>
+          <p:cNvSpPr/>
+          <p:nvPr/>
+        </p:nvSpPr>
+        <p:spPr>
+          <a:xfrm>
+            <a:off x="5008655" y="3037105"/>
+            <a:ext cx="265471" cy="299164"/>
+          </a:xfrm>
+          <a:prstGeom prst="rect">
+            <a:avLst/>
+          </a:prstGeom>
+        </p:spPr>
+        <p:style>
+          <a:lnRef idx="2">
+            <a:schemeClr val="dk1"/>
+          </a:lnRef>
+          <a:fillRef idx="1">
+            <a:schemeClr val="lt1"/>
+          </a:fillRef>
+          <a:effectRef idx="0">
+            <a:schemeClr val="dk1"/>
+          </a:effectRef>
+          <a:fontRef idx="minor">
+            <a:schemeClr val="dk1"/>
+          </a:fontRef>
+        </p:style>
+        <p:txBody>
+          <a:bodyPr rtlCol="0" anchor="ctr"/>
+          <a:lstStyle/>
+          <a:p>
+            <a:pPr algn="ctr"/>
+            <a:r>
+              <a:rPr lang="en-US" altLang="zh-CN" dirty="0" smtClean="0"/>
+              <a:t>6</a:t>
+            </a:r>
+            <a:endParaRPr lang="en-US" dirty="0"/>
+          </a:p>
+        </p:txBody>
+      </p:sp>
+      <p:sp>
+        <p:nvSpPr>
+          <p:cNvPr id="37" name="Rectangle 36"/>
+          <p:cNvSpPr/>
+          <p:nvPr/>
+        </p:nvSpPr>
+        <p:spPr>
+          <a:xfrm>
+            <a:off x="5269952" y="3037105"/>
+            <a:ext cx="265471" cy="299164"/>
+          </a:xfrm>
+          <a:prstGeom prst="rect">
+            <a:avLst/>
+          </a:prstGeom>
+        </p:spPr>
+        <p:style>
+          <a:lnRef idx="2">
+            <a:schemeClr val="dk1"/>
+          </a:lnRef>
+          <a:fillRef idx="1">
+            <a:schemeClr val="lt1"/>
+          </a:fillRef>
+          <a:effectRef idx="0">
+            <a:schemeClr val="dk1"/>
+          </a:effectRef>
+          <a:fontRef idx="minor">
+            <a:schemeClr val="dk1"/>
+          </a:fontRef>
+        </p:style>
+        <p:txBody>
+          <a:bodyPr rtlCol="0" anchor="ctr"/>
+          <a:lstStyle/>
+          <a:p>
+            <a:pPr algn="ctr"/>
+            <a:r>
+              <a:rPr lang="en-US" altLang="zh-CN" dirty="0" smtClean="0"/>
+              <a:t>7</a:t>
+            </a:r>
+            <a:endParaRPr lang="en-US" dirty="0"/>
+          </a:p>
+        </p:txBody>
+      </p:sp>
+      <p:sp>
+        <p:nvSpPr>
+          <p:cNvPr id="38" name="Rectangle 37"/>
+          <p:cNvSpPr/>
+          <p:nvPr/>
+        </p:nvSpPr>
+        <p:spPr>
+          <a:xfrm>
+            <a:off x="5530512" y="3037105"/>
+            <a:ext cx="265471" cy="299164"/>
+          </a:xfrm>
+          <a:prstGeom prst="rect">
+            <a:avLst/>
+          </a:prstGeom>
+        </p:spPr>
+        <p:style>
+          <a:lnRef idx="2">
+            <a:schemeClr val="dk1"/>
+          </a:lnRef>
+          <a:fillRef idx="1">
+            <a:schemeClr val="lt1"/>
+          </a:fillRef>
+          <a:effectRef idx="0">
+            <a:schemeClr val="dk1"/>
+          </a:effectRef>
+          <a:fontRef idx="minor">
+            <a:schemeClr val="dk1"/>
+          </a:fontRef>
+        </p:style>
+        <p:txBody>
+          <a:bodyPr rtlCol="0" anchor="ctr"/>
+          <a:lstStyle/>
+          <a:p>
+            <a:pPr algn="ctr"/>
+            <a:r>
+              <a:rPr lang="en-US" altLang="zh-CN" dirty="0" smtClean="0"/>
+              <a:t>8</a:t>
+            </a:r>
+            <a:endParaRPr lang="en-US" dirty="0"/>
+          </a:p>
+        </p:txBody>
+      </p:sp>
+      <p:sp>
+        <p:nvSpPr>
+          <p:cNvPr id="39" name="Rectangle 38"/>
+          <p:cNvSpPr/>
+          <p:nvPr/>
+        </p:nvSpPr>
+        <p:spPr>
+          <a:xfrm>
+            <a:off x="3427956" y="3037105"/>
+            <a:ext cx="265471" cy="299164"/>
+          </a:xfrm>
+          <a:prstGeom prst="rect">
+            <a:avLst/>
+          </a:prstGeom>
+        </p:spPr>
+        <p:style>
+          <a:lnRef idx="2">
+            <a:schemeClr val="dk1"/>
+          </a:lnRef>
+          <a:fillRef idx="1">
+            <a:schemeClr val="lt1"/>
+          </a:fillRef>
+          <a:effectRef idx="0">
+            <a:schemeClr val="dk1"/>
+          </a:effectRef>
+          <a:fontRef idx="minor">
+            <a:schemeClr val="dk1"/>
+          </a:fontRef>
+        </p:style>
+        <p:txBody>
+          <a:bodyPr rtlCol="0" anchor="ctr"/>
+          <a:lstStyle/>
+          <a:p>
+            <a:pPr algn="ctr"/>
+            <a:r>
+              <a:rPr lang="en-US" altLang="zh-CN" dirty="0" smtClean="0"/>
+              <a:t>0</a:t>
+            </a:r>
+            <a:endParaRPr lang="en-US" dirty="0"/>
+          </a:p>
+        </p:txBody>
+      </p:sp>
+      <p:sp>
+        <p:nvSpPr>
+          <p:cNvPr id="40" name="Rectangle 39"/>
+          <p:cNvSpPr/>
+          <p:nvPr/>
+        </p:nvSpPr>
+        <p:spPr>
+          <a:xfrm>
+            <a:off x="5791072" y="3037105"/>
+            <a:ext cx="265471" cy="299164"/>
+          </a:xfrm>
+          <a:prstGeom prst="rect">
+            <a:avLst/>
+          </a:prstGeom>
+        </p:spPr>
+        <p:style>
+          <a:lnRef idx="2">
+            <a:schemeClr val="dk1"/>
+          </a:lnRef>
+          <a:fillRef idx="1">
+            <a:schemeClr val="lt1"/>
+          </a:fillRef>
+          <a:effectRef idx="0">
+            <a:schemeClr val="dk1"/>
+          </a:effectRef>
+          <a:fontRef idx="minor">
+            <a:schemeClr val="dk1"/>
+          </a:fontRef>
+        </p:style>
+        <p:txBody>
+          <a:bodyPr rtlCol="0" anchor="ctr"/>
+          <a:lstStyle/>
+          <a:p>
+            <a:pPr algn="ctr"/>
+            <a:r>
+              <a:rPr lang="en-US" altLang="zh-CN" dirty="0" smtClean="0"/>
+              <a:t>9</a:t>
+            </a:r>
+            <a:endParaRPr lang="en-US" dirty="0"/>
+          </a:p>
+        </p:txBody>
+      </p:sp>
+      <p:sp>
+        <p:nvSpPr>
+          <p:cNvPr id="41" name="Rectangle 40"/>
+          <p:cNvSpPr/>
+          <p:nvPr/>
+        </p:nvSpPr>
+        <p:spPr>
+          <a:xfrm>
+            <a:off x="3690971" y="3700463"/>
+            <a:ext cx="265471" cy="299164"/>
+          </a:xfrm>
+          <a:prstGeom prst="rect">
+            <a:avLst/>
+          </a:prstGeom>
+        </p:spPr>
+        <p:style>
+          <a:lnRef idx="2">
+            <a:schemeClr val="dk1"/>
+          </a:lnRef>
+          <a:fillRef idx="1">
+            <a:schemeClr val="lt1"/>
+          </a:fillRef>
+          <a:effectRef idx="0">
+            <a:schemeClr val="dk1"/>
+          </a:effectRef>
+          <a:fontRef idx="minor">
+            <a:schemeClr val="dk1"/>
+          </a:fontRef>
+        </p:style>
+        <p:txBody>
+          <a:bodyPr rtlCol="0" anchor="ctr"/>
+          <a:lstStyle/>
+          <a:p>
+            <a:pPr algn="ctr"/>
+            <a:r>
+              <a:rPr lang="en-US" altLang="zh-CN" dirty="0" smtClean="0"/>
+              <a:t>1</a:t>
+            </a:r>
+            <a:endParaRPr lang="en-US" dirty="0"/>
+          </a:p>
+        </p:txBody>
+      </p:sp>
+      <p:sp>
+        <p:nvSpPr>
+          <p:cNvPr id="42" name="Rectangle 41"/>
+          <p:cNvSpPr/>
+          <p:nvPr/>
+        </p:nvSpPr>
+        <p:spPr>
+          <a:xfrm>
+            <a:off x="3951531" y="3700463"/>
+            <a:ext cx="265471" cy="299164"/>
+          </a:xfrm>
+          <a:prstGeom prst="rect">
+            <a:avLst/>
+          </a:prstGeom>
+        </p:spPr>
+        <p:style>
+          <a:lnRef idx="2">
+            <a:schemeClr val="dk1"/>
+          </a:lnRef>
+          <a:fillRef idx="1">
+            <a:schemeClr val="lt1"/>
+          </a:fillRef>
+          <a:effectRef idx="0">
+            <a:schemeClr val="dk1"/>
+          </a:effectRef>
+          <a:fontRef idx="minor">
+            <a:schemeClr val="dk1"/>
+          </a:fontRef>
+        </p:style>
+        <p:txBody>
+          <a:bodyPr rtlCol="0" anchor="ctr"/>
+          <a:lstStyle/>
+          <a:p>
+            <a:pPr algn="ctr"/>
+            <a:r>
+              <a:rPr lang="en-US" altLang="zh-CN" dirty="0"/>
+              <a:t>2</a:t>
+            </a:r>
+            <a:endParaRPr lang="en-US" dirty="0"/>
+          </a:p>
+        </p:txBody>
+      </p:sp>
+      <p:sp>
+        <p:nvSpPr>
+          <p:cNvPr id="43" name="Rectangle 42"/>
+          <p:cNvSpPr/>
+          <p:nvPr/>
+        </p:nvSpPr>
+        <p:spPr>
+          <a:xfrm>
+            <a:off x="4222064" y="3700463"/>
+            <a:ext cx="265471" cy="299164"/>
+          </a:xfrm>
+          <a:prstGeom prst="rect">
+            <a:avLst/>
+          </a:prstGeom>
+        </p:spPr>
+        <p:style>
+          <a:lnRef idx="2">
+            <a:schemeClr val="dk1"/>
+          </a:lnRef>
+          <a:fillRef idx="1">
+            <a:schemeClr val="lt1"/>
+          </a:fillRef>
+          <a:effectRef idx="0">
+            <a:schemeClr val="dk1"/>
+          </a:effectRef>
+          <a:fontRef idx="minor">
+            <a:schemeClr val="dk1"/>
+          </a:fontRef>
+        </p:style>
+        <p:txBody>
+          <a:bodyPr rtlCol="0" anchor="ctr"/>
+          <a:lstStyle/>
+          <a:p>
+            <a:pPr algn="ctr"/>
+            <a:r>
+              <a:rPr lang="en-US" altLang="zh-CN" dirty="0" smtClean="0"/>
+              <a:t>3</a:t>
+            </a:r>
+            <a:endParaRPr lang="en-US" dirty="0"/>
+          </a:p>
+        </p:txBody>
+      </p:sp>
+      <p:sp>
+        <p:nvSpPr>
+          <p:cNvPr id="44" name="Rectangle 43"/>
+          <p:cNvSpPr/>
+          <p:nvPr/>
+        </p:nvSpPr>
+        <p:spPr>
+          <a:xfrm>
+            <a:off x="4482624" y="3700463"/>
+            <a:ext cx="265471" cy="299164"/>
+          </a:xfrm>
+          <a:prstGeom prst="rect">
+            <a:avLst/>
+          </a:prstGeom>
+        </p:spPr>
+        <p:style>
+          <a:lnRef idx="2">
+            <a:schemeClr val="dk1"/>
+          </a:lnRef>
+          <a:fillRef idx="1">
+            <a:schemeClr val="lt1"/>
+          </a:fillRef>
+          <a:effectRef idx="0">
+            <a:schemeClr val="dk1"/>
+          </a:effectRef>
+          <a:fontRef idx="minor">
+            <a:schemeClr val="dk1"/>
+          </a:fontRef>
+        </p:style>
+        <p:txBody>
+          <a:bodyPr rtlCol="0" anchor="ctr"/>
+          <a:lstStyle/>
+          <a:p>
+            <a:pPr algn="ctr"/>
+            <a:r>
+              <a:rPr lang="en-US" altLang="zh-CN" dirty="0" smtClean="0"/>
+              <a:t>4</a:t>
+            </a:r>
+            <a:endParaRPr lang="en-US" dirty="0"/>
+          </a:p>
+        </p:txBody>
+      </p:sp>
+      <p:sp>
+        <p:nvSpPr>
+          <p:cNvPr id="45" name="Rectangle 44"/>
+          <p:cNvSpPr/>
+          <p:nvPr/>
+        </p:nvSpPr>
+        <p:spPr>
+          <a:xfrm>
+            <a:off x="4748095" y="3700463"/>
+            <a:ext cx="265471" cy="299164"/>
+          </a:xfrm>
+          <a:prstGeom prst="rect">
+            <a:avLst/>
+          </a:prstGeom>
+        </p:spPr>
+        <p:style>
+          <a:lnRef idx="2">
+            <a:schemeClr val="dk1"/>
+          </a:lnRef>
+          <a:fillRef idx="1">
+            <a:schemeClr val="lt1"/>
+          </a:fillRef>
+          <a:effectRef idx="0">
+            <a:schemeClr val="dk1"/>
+          </a:effectRef>
+          <a:fontRef idx="minor">
+            <a:schemeClr val="dk1"/>
+          </a:fontRef>
+        </p:style>
+        <p:txBody>
+          <a:bodyPr rtlCol="0" anchor="ctr"/>
+          <a:lstStyle/>
+          <a:p>
+            <a:pPr algn="ctr"/>
+            <a:r>
+              <a:rPr lang="en-US" altLang="zh-CN" dirty="0" smtClean="0"/>
+              <a:t>5</a:t>
+            </a:r>
+            <a:endParaRPr lang="en-US" dirty="0"/>
+          </a:p>
+        </p:txBody>
+      </p:sp>
+      <p:sp>
+        <p:nvSpPr>
+          <p:cNvPr id="46" name="Rectangle 45"/>
+          <p:cNvSpPr/>
+          <p:nvPr/>
+        </p:nvSpPr>
+        <p:spPr>
+          <a:xfrm>
+            <a:off x="5008655" y="3700463"/>
+            <a:ext cx="265471" cy="299164"/>
+          </a:xfrm>
+          <a:prstGeom prst="rect">
+            <a:avLst/>
+          </a:prstGeom>
+        </p:spPr>
+        <p:style>
+          <a:lnRef idx="2">
+            <a:schemeClr val="dk1"/>
+          </a:lnRef>
+          <a:fillRef idx="1">
+            <a:schemeClr val="lt1"/>
+          </a:fillRef>
+          <a:effectRef idx="0">
+            <a:schemeClr val="dk1"/>
+          </a:effectRef>
+          <a:fontRef idx="minor">
+            <a:schemeClr val="dk1"/>
+          </a:fontRef>
+        </p:style>
+        <p:txBody>
+          <a:bodyPr rtlCol="0" anchor="ctr"/>
+          <a:lstStyle/>
+          <a:p>
+            <a:pPr algn="ctr"/>
+            <a:r>
+              <a:rPr lang="en-US" altLang="zh-CN" dirty="0" smtClean="0"/>
+              <a:t>6</a:t>
+            </a:r>
+            <a:endParaRPr lang="en-US" dirty="0"/>
+          </a:p>
+        </p:txBody>
+      </p:sp>
+      <p:sp>
+        <p:nvSpPr>
+          <p:cNvPr id="47" name="Rectangle 46"/>
+          <p:cNvSpPr/>
+          <p:nvPr/>
+        </p:nvSpPr>
+        <p:spPr>
+          <a:xfrm>
+            <a:off x="5269952" y="3700463"/>
+            <a:ext cx="265471" cy="299164"/>
+          </a:xfrm>
+          <a:prstGeom prst="rect">
+            <a:avLst/>
+          </a:prstGeom>
+        </p:spPr>
+        <p:style>
+          <a:lnRef idx="2">
+            <a:schemeClr val="dk1"/>
+          </a:lnRef>
+          <a:fillRef idx="1">
+            <a:schemeClr val="lt1"/>
+          </a:fillRef>
+          <a:effectRef idx="0">
+            <a:schemeClr val="dk1"/>
+          </a:effectRef>
+          <a:fontRef idx="minor">
+            <a:schemeClr val="dk1"/>
+          </a:fontRef>
+        </p:style>
+        <p:txBody>
+          <a:bodyPr rtlCol="0" anchor="ctr"/>
+          <a:lstStyle/>
+          <a:p>
+            <a:pPr algn="ctr"/>
+            <a:r>
+              <a:rPr lang="en-US" altLang="zh-CN" dirty="0" smtClean="0"/>
+              <a:t>7</a:t>
+            </a:r>
+            <a:endParaRPr lang="en-US" dirty="0"/>
+          </a:p>
+        </p:txBody>
+      </p:sp>
+      <p:sp>
+        <p:nvSpPr>
+          <p:cNvPr id="48" name="Rectangle 47"/>
+          <p:cNvSpPr/>
+          <p:nvPr/>
+        </p:nvSpPr>
+        <p:spPr>
+          <a:xfrm>
+            <a:off x="5530512" y="3700463"/>
+            <a:ext cx="265471" cy="299164"/>
+          </a:xfrm>
+          <a:prstGeom prst="rect">
+            <a:avLst/>
+          </a:prstGeom>
+        </p:spPr>
+        <p:style>
+          <a:lnRef idx="2">
+            <a:schemeClr val="dk1"/>
+          </a:lnRef>
+          <a:fillRef idx="1">
+            <a:schemeClr val="lt1"/>
+          </a:fillRef>
+          <a:effectRef idx="0">
+            <a:schemeClr val="dk1"/>
+          </a:effectRef>
+          <a:fontRef idx="minor">
+            <a:schemeClr val="dk1"/>
+          </a:fontRef>
+        </p:style>
+        <p:txBody>
+          <a:bodyPr rtlCol="0" anchor="ctr"/>
+          <a:lstStyle/>
+          <a:p>
+            <a:pPr algn="ctr"/>
+            <a:r>
+              <a:rPr lang="en-US" altLang="zh-CN" dirty="0" smtClean="0"/>
+              <a:t>8</a:t>
+            </a:r>
+            <a:endParaRPr lang="en-US" dirty="0"/>
+          </a:p>
+        </p:txBody>
+      </p:sp>
+      <p:sp>
+        <p:nvSpPr>
+          <p:cNvPr id="49" name="Rectangle 48"/>
+          <p:cNvSpPr/>
+          <p:nvPr/>
+        </p:nvSpPr>
+        <p:spPr>
+          <a:xfrm>
+            <a:off x="3427956" y="3700463"/>
+            <a:ext cx="265471" cy="299164"/>
+          </a:xfrm>
+          <a:prstGeom prst="rect">
+            <a:avLst/>
+          </a:prstGeom>
+        </p:spPr>
+        <p:style>
+          <a:lnRef idx="2">
+            <a:schemeClr val="dk1"/>
+          </a:lnRef>
+          <a:fillRef idx="1">
+            <a:schemeClr val="lt1"/>
+          </a:fillRef>
+          <a:effectRef idx="0">
+            <a:schemeClr val="dk1"/>
+          </a:effectRef>
+          <a:fontRef idx="minor">
+            <a:schemeClr val="dk1"/>
+          </a:fontRef>
+        </p:style>
+        <p:txBody>
+          <a:bodyPr rtlCol="0" anchor="ctr"/>
+          <a:lstStyle/>
+          <a:p>
+            <a:pPr algn="ctr"/>
+            <a:r>
+              <a:rPr lang="en-US" altLang="zh-CN" dirty="0" smtClean="0"/>
+              <a:t>0</a:t>
+            </a:r>
+            <a:endParaRPr lang="en-US" dirty="0"/>
+          </a:p>
+        </p:txBody>
+      </p:sp>
+      <p:sp>
+        <p:nvSpPr>
+          <p:cNvPr id="50" name="Rectangle 49"/>
+          <p:cNvSpPr/>
+          <p:nvPr/>
+        </p:nvSpPr>
+        <p:spPr>
+          <a:xfrm>
+            <a:off x="5791072" y="3700463"/>
+            <a:ext cx="265471" cy="299164"/>
+          </a:xfrm>
+          <a:prstGeom prst="rect">
+            <a:avLst/>
+          </a:prstGeom>
+        </p:spPr>
+        <p:style>
+          <a:lnRef idx="2">
+            <a:schemeClr val="dk1"/>
+          </a:lnRef>
+          <a:fillRef idx="1">
+            <a:schemeClr val="lt1"/>
+          </a:fillRef>
+          <a:effectRef idx="0">
+            <a:schemeClr val="dk1"/>
+          </a:effectRef>
+          <a:fontRef idx="minor">
+            <a:schemeClr val="dk1"/>
+          </a:fontRef>
+        </p:style>
+        <p:txBody>
+          <a:bodyPr rtlCol="0" anchor="ctr"/>
+          <a:lstStyle/>
+          <a:p>
+            <a:pPr algn="ctr"/>
+            <a:r>
+              <a:rPr lang="en-US" altLang="zh-CN" dirty="0" smtClean="0"/>
+              <a:t>9</a:t>
+            </a:r>
+            <a:endParaRPr lang="en-US" dirty="0"/>
+          </a:p>
+        </p:txBody>
+      </p:sp>
+    </p:spTree>
+    <p:extLst>
+      <p:ext uri="{BB962C8B-B14F-4D97-AF65-F5344CB8AC3E}">
+        <p14:creationId xmlns:p14="http://schemas.microsoft.com/office/powerpoint/2010/main" val="488992087"/>
+      </p:ext>
+    </p:extLst>
+  </p:cSld>
+  <p:clrMapOvr>
+    <a:masterClrMapping/>
+  </p:clrMapOvr>
+</p:sld>
+</file>
+
+<file path=ppt/slides/slide3.xml><?xml version="1.0" encoding="utf-8"?>
+<p:sld xmlns:a="http://schemas.openxmlformats.org/drawingml/2006/main" xmlns:r="http://schemas.openxmlformats.org/officeDocument/2006/relationships" xmlns:p="http://schemas.openxmlformats.org/presentationml/2006/main">
+  <p:cSld>
+    <p:spTree>
+      <p:nvGrpSpPr>
+        <p:cNvPr id="1" name=""/>
+        <p:cNvGrpSpPr/>
+        <p:nvPr/>
+      </p:nvGrpSpPr>
+      <p:grpSpPr>
+        <a:xfrm>
+          <a:off x="0" y="0"/>
+          <a:ext cx="0" cy="0"/>
+          <a:chOff x="0" y="0"/>
+          <a:chExt cx="0" cy="0"/>
+        </a:xfrm>
+      </p:grpSpPr>
+      <p:sp>
+        <p:nvSpPr>
+          <p:cNvPr id="2" name="Can 1"/>
+          <p:cNvSpPr>
+            <a:spLocks noChangeAspect="1"/>
+          </p:cNvSpPr>
+          <p:nvPr/>
+        </p:nvSpPr>
+        <p:spPr>
+          <a:xfrm>
+            <a:off x="1146177" y="4128314"/>
+            <a:ext cx="2196935" cy="807523"/>
+          </a:xfrm>
+          <a:prstGeom prst="can">
+            <a:avLst/>
+          </a:prstGeom>
+          <a:ln w="28575"/>
+        </p:spPr>
+        <p:style>
+          <a:lnRef idx="2">
+            <a:schemeClr val="dk1"/>
+          </a:lnRef>
+          <a:fillRef idx="1">
+            <a:schemeClr val="lt1"/>
+          </a:fillRef>
+          <a:effectRef idx="0">
+            <a:schemeClr val="dk1"/>
+          </a:effectRef>
+          <a:fontRef idx="minor">
+            <a:schemeClr val="dk1"/>
+          </a:fontRef>
+        </p:style>
+        <p:txBody>
+          <a:bodyPr rot="0" spcFirstLastPara="0" vertOverflow="overflow" horzOverflow="overflow" vert="horz" wrap="square" lIns="91440" tIns="45720" rIns="91440" bIns="45720" numCol="1" spcCol="0" rtlCol="0" fromWordArt="0" anchor="ctr" anchorCtr="0" forceAA="0" compatLnSpc="1">
+            <a:prstTxWarp prst="textNoShape">
+              <a:avLst/>
+            </a:prstTxWarp>
+            <a:noAutofit/>
+          </a:bodyPr>
+          <a:lstStyle/>
+          <a:p>
+            <a:pPr algn="ctr"/>
+            <a:endParaRPr lang="en-US"/>
+          </a:p>
+        </p:txBody>
+      </p:sp>
+      <p:sp>
+        <p:nvSpPr>
+          <p:cNvPr id="3" name="Can 2"/>
+          <p:cNvSpPr>
+            <a:spLocks noChangeAspect="1"/>
+          </p:cNvSpPr>
+          <p:nvPr/>
+        </p:nvSpPr>
+        <p:spPr>
+          <a:xfrm>
+            <a:off x="1205554" y="3475171"/>
+            <a:ext cx="2090057" cy="793666"/>
+          </a:xfrm>
+          <a:prstGeom prst="can">
+            <a:avLst/>
+          </a:prstGeom>
+          <a:ln w="28575"/>
+        </p:spPr>
+        <p:style>
+          <a:lnRef idx="2">
+            <a:schemeClr val="dk1"/>
+          </a:lnRef>
+          <a:fillRef idx="1">
+            <a:schemeClr val="lt1"/>
+          </a:fillRef>
+          <a:effectRef idx="0">
+            <a:schemeClr val="dk1"/>
+          </a:effectRef>
+          <a:fontRef idx="minor">
+            <a:schemeClr val="dk1"/>
+          </a:fontRef>
+        </p:style>
+        <p:txBody>
+          <a:bodyPr rot="0" spcFirstLastPara="0" vertOverflow="overflow" horzOverflow="overflow" vert="horz" wrap="square" lIns="91440" tIns="45720" rIns="91440" bIns="45720" numCol="1" spcCol="0" rtlCol="0" fromWordArt="0" anchor="ctr" anchorCtr="0" forceAA="0" compatLnSpc="1">
+            <a:prstTxWarp prst="textNoShape">
+              <a:avLst/>
+            </a:prstTxWarp>
+            <a:noAutofit/>
+          </a:bodyPr>
+          <a:lstStyle/>
+          <a:p>
+            <a:pPr algn="ctr"/>
+            <a:r>
+              <a:rPr lang="en-US" altLang="zh-CN" sz="1800" dirty="0" smtClean="0"/>
+              <a:t>3</a:t>
+            </a:r>
+            <a:r>
+              <a:rPr lang="zh-CN" altLang="en-US" sz="1800" dirty="0" smtClean="0"/>
+              <a:t>   </a:t>
+            </a:r>
+            <a:r>
+              <a:rPr lang="en-US" altLang="zh-CN" sz="1800" dirty="0"/>
+              <a:t>|</a:t>
+            </a:r>
+            <a:r>
+              <a:rPr lang="zh-CN" altLang="en-US" sz="1800" dirty="0"/>
+              <a:t>  </a:t>
+            </a:r>
+            <a:r>
+              <a:rPr lang="en-US" altLang="zh-CN" sz="1800" dirty="0" smtClean="0"/>
+              <a:t>9</a:t>
+            </a:r>
+            <a:r>
+              <a:rPr lang="zh-CN" altLang="en-US" sz="1800" dirty="0" smtClean="0"/>
+              <a:t>  </a:t>
+            </a:r>
+            <a:r>
+              <a:rPr lang="en-US" altLang="zh-CN" sz="1800" dirty="0"/>
+              <a:t>|</a:t>
+            </a:r>
+            <a:r>
+              <a:rPr lang="zh-CN" altLang="en-US" sz="1800" dirty="0"/>
+              <a:t> </a:t>
+            </a:r>
+            <a:r>
+              <a:rPr lang="en-US" altLang="zh-CN" sz="1800" dirty="0" smtClean="0"/>
+              <a:t>6</a:t>
+            </a:r>
+            <a:r>
+              <a:rPr lang="zh-CN" altLang="en-US" sz="1800" dirty="0" smtClean="0"/>
+              <a:t> </a:t>
+            </a:r>
+            <a:r>
+              <a:rPr lang="en-US" altLang="zh-CN" sz="1800" dirty="0"/>
+              <a:t>|</a:t>
+            </a:r>
+            <a:r>
+              <a:rPr lang="zh-CN" altLang="en-US" sz="1800" dirty="0"/>
+              <a:t> </a:t>
+            </a:r>
+            <a:r>
+              <a:rPr lang="en-US" altLang="zh-CN" sz="1800" dirty="0" smtClean="0"/>
+              <a:t>7</a:t>
+            </a:r>
+            <a:r>
+              <a:rPr lang="zh-CN" altLang="en-US" sz="1800" dirty="0" smtClean="0"/>
+              <a:t> </a:t>
+            </a:r>
+            <a:r>
+              <a:rPr lang="en-US" altLang="zh-CN" sz="1800" dirty="0"/>
+              <a:t>|</a:t>
+            </a:r>
+            <a:r>
+              <a:rPr lang="zh-CN" altLang="en-US" sz="1800" dirty="0"/>
+              <a:t> </a:t>
+            </a:r>
+            <a:r>
+              <a:rPr lang="en-US" altLang="zh-CN" sz="1800" dirty="0" smtClean="0"/>
+              <a:t>4</a:t>
+            </a:r>
+            <a:r>
+              <a:rPr lang="zh-CN" altLang="en-US" sz="1800" dirty="0" smtClean="0"/>
+              <a:t> </a:t>
+            </a:r>
+            <a:r>
+              <a:rPr lang="en-US" altLang="zh-CN" sz="1800" dirty="0"/>
+              <a:t>|</a:t>
+            </a:r>
+            <a:endParaRPr lang="en-US" sz="1800" dirty="0"/>
+          </a:p>
+        </p:txBody>
+      </p:sp>
+      <p:sp>
+        <p:nvSpPr>
+          <p:cNvPr id="4" name="Can 3"/>
+          <p:cNvSpPr>
+            <a:spLocks noChangeAspect="1"/>
+          </p:cNvSpPr>
+          <p:nvPr/>
+        </p:nvSpPr>
+        <p:spPr>
+          <a:xfrm>
+            <a:off x="1205554" y="2808172"/>
+            <a:ext cx="2090057" cy="793666"/>
+          </a:xfrm>
+          <a:prstGeom prst="can">
+            <a:avLst/>
+          </a:prstGeom>
+          <a:ln w="28575"/>
+        </p:spPr>
+        <p:style>
+          <a:lnRef idx="2">
+            <a:schemeClr val="dk1"/>
+          </a:lnRef>
+          <a:fillRef idx="1">
+            <a:schemeClr val="lt1"/>
+          </a:fillRef>
+          <a:effectRef idx="0">
+            <a:schemeClr val="dk1"/>
+          </a:effectRef>
+          <a:fontRef idx="minor">
+            <a:schemeClr val="dk1"/>
+          </a:fontRef>
+        </p:style>
+        <p:txBody>
+          <a:bodyPr rot="0" spcFirstLastPara="0" vertOverflow="overflow" horzOverflow="overflow" vert="horz" wrap="square" lIns="91440" tIns="45720" rIns="91440" bIns="45720" numCol="1" spcCol="0" rtlCol="0" fromWordArt="0" anchor="ctr" anchorCtr="0" forceAA="0" compatLnSpc="1">
+            <a:prstTxWarp prst="textNoShape">
+              <a:avLst/>
+            </a:prstTxWarp>
+            <a:noAutofit/>
+          </a:bodyPr>
+          <a:lstStyle/>
+          <a:p>
+            <a:pPr algn="ctr"/>
+            <a:r>
+              <a:rPr lang="en-US" altLang="zh-CN" sz="1800" dirty="0"/>
+              <a:t>1</a:t>
+            </a:r>
+            <a:r>
+              <a:rPr lang="zh-CN" altLang="en-US" sz="1800" dirty="0"/>
+              <a:t>   </a:t>
+            </a:r>
+            <a:r>
+              <a:rPr lang="en-US" altLang="zh-CN" sz="1800" dirty="0"/>
+              <a:t>|</a:t>
+            </a:r>
+            <a:r>
+              <a:rPr lang="zh-CN" altLang="en-US" sz="1800" dirty="0"/>
+              <a:t>  </a:t>
+            </a:r>
+            <a:r>
+              <a:rPr lang="en-US" altLang="zh-CN" sz="1800" dirty="0" smtClean="0"/>
+              <a:t>6</a:t>
+            </a:r>
+            <a:r>
+              <a:rPr lang="zh-CN" altLang="en-US" sz="1800" dirty="0" smtClean="0"/>
+              <a:t>  </a:t>
+            </a:r>
+            <a:r>
+              <a:rPr lang="en-US" altLang="zh-CN" sz="1800" dirty="0"/>
+              <a:t>|</a:t>
+            </a:r>
+            <a:r>
+              <a:rPr lang="zh-CN" altLang="en-US" sz="1800" dirty="0"/>
+              <a:t> </a:t>
+            </a:r>
+            <a:r>
+              <a:rPr lang="en-US" altLang="zh-CN" sz="1800" dirty="0" smtClean="0"/>
+              <a:t>5</a:t>
+            </a:r>
+            <a:r>
+              <a:rPr lang="zh-CN" altLang="en-US" sz="1800" dirty="0" smtClean="0"/>
+              <a:t> </a:t>
+            </a:r>
+            <a:r>
+              <a:rPr lang="en-US" altLang="zh-CN" sz="1800" dirty="0"/>
+              <a:t>|</a:t>
+            </a:r>
+            <a:r>
+              <a:rPr lang="zh-CN" altLang="en-US" sz="1800" dirty="0"/>
+              <a:t> </a:t>
+            </a:r>
+            <a:r>
+              <a:rPr lang="en-US" altLang="zh-CN" sz="1800" dirty="0" smtClean="0"/>
+              <a:t>2</a:t>
+            </a:r>
+            <a:r>
+              <a:rPr lang="zh-CN" altLang="en-US" sz="1800" dirty="0" smtClean="0"/>
+              <a:t> </a:t>
+            </a:r>
+            <a:r>
+              <a:rPr lang="en-US" altLang="zh-CN" sz="1800" dirty="0"/>
+              <a:t>|</a:t>
+            </a:r>
+            <a:r>
+              <a:rPr lang="zh-CN" altLang="en-US" sz="1800" dirty="0"/>
+              <a:t> </a:t>
+            </a:r>
+            <a:r>
+              <a:rPr lang="en-US" altLang="zh-CN" sz="1800" dirty="0" smtClean="0"/>
+              <a:t>4</a:t>
+            </a:r>
+            <a:r>
+              <a:rPr lang="zh-CN" altLang="en-US" sz="1800" dirty="0" smtClean="0"/>
+              <a:t> </a:t>
+            </a:r>
+            <a:r>
+              <a:rPr lang="en-US" altLang="zh-CN" sz="1800" dirty="0"/>
+              <a:t>|</a:t>
+            </a:r>
+            <a:endParaRPr lang="en-US" sz="1800" dirty="0"/>
+          </a:p>
+        </p:txBody>
+      </p:sp>
+      <p:sp>
+        <p:nvSpPr>
+          <p:cNvPr id="5" name="Can 4"/>
+          <p:cNvSpPr>
+            <a:spLocks noChangeAspect="1"/>
+          </p:cNvSpPr>
+          <p:nvPr/>
+        </p:nvSpPr>
+        <p:spPr>
+          <a:xfrm>
+            <a:off x="1205554" y="2155030"/>
+            <a:ext cx="2090057" cy="793666"/>
+          </a:xfrm>
+          <a:prstGeom prst="can">
+            <a:avLst/>
+          </a:prstGeom>
+          <a:ln w="28575"/>
+        </p:spPr>
+        <p:style>
+          <a:lnRef idx="2">
+            <a:schemeClr val="dk1"/>
+          </a:lnRef>
+          <a:fillRef idx="1">
+            <a:schemeClr val="lt1"/>
+          </a:fillRef>
+          <a:effectRef idx="0">
+            <a:schemeClr val="dk1"/>
+          </a:effectRef>
+          <a:fontRef idx="minor">
+            <a:schemeClr val="dk1"/>
+          </a:fontRef>
+        </p:style>
+        <p:txBody>
+          <a:bodyPr rot="0" spcFirstLastPara="0" vertOverflow="overflow" horzOverflow="overflow" vert="horz" wrap="square" lIns="91440" tIns="45720" rIns="91440" bIns="45720" numCol="1" spcCol="0" rtlCol="0" fromWordArt="0" anchor="ctr" anchorCtr="0" forceAA="0" compatLnSpc="1">
+            <a:prstTxWarp prst="textNoShape">
+              <a:avLst/>
+            </a:prstTxWarp>
+            <a:noAutofit/>
+          </a:bodyPr>
+          <a:lstStyle/>
+          <a:p>
+            <a:pPr algn="ctr"/>
+            <a:r>
+              <a:rPr lang="en-US" altLang="zh-CN" sz="1800" dirty="0" smtClean="0"/>
+              <a:t>9</a:t>
+            </a:r>
+            <a:r>
+              <a:rPr lang="zh-CN" altLang="en-US" sz="1800" dirty="0" smtClean="0"/>
+              <a:t>   </a:t>
+            </a:r>
+            <a:r>
+              <a:rPr lang="en-US" altLang="zh-CN" sz="1800" dirty="0"/>
+              <a:t>|</a:t>
+            </a:r>
+            <a:r>
+              <a:rPr lang="zh-CN" altLang="en-US" sz="1800" dirty="0"/>
+              <a:t>  </a:t>
+            </a:r>
+            <a:r>
+              <a:rPr lang="en-US" altLang="zh-CN" sz="1800" dirty="0" smtClean="0"/>
+              <a:t>1</a:t>
+            </a:r>
+            <a:r>
+              <a:rPr lang="zh-CN" altLang="en-US" sz="1800" dirty="0" smtClean="0"/>
+              <a:t>  </a:t>
+            </a:r>
+            <a:r>
+              <a:rPr lang="en-US" altLang="zh-CN" sz="1800" dirty="0"/>
+              <a:t>|</a:t>
+            </a:r>
+            <a:r>
+              <a:rPr lang="zh-CN" altLang="en-US" sz="1800" dirty="0"/>
+              <a:t> </a:t>
+            </a:r>
+            <a:r>
+              <a:rPr lang="en-US" altLang="zh-CN" sz="1800" dirty="0" smtClean="0"/>
+              <a:t>4</a:t>
+            </a:r>
+            <a:r>
+              <a:rPr lang="zh-CN" altLang="en-US" sz="1800" dirty="0" smtClean="0"/>
+              <a:t> </a:t>
+            </a:r>
+            <a:r>
+              <a:rPr lang="en-US" altLang="zh-CN" sz="1800" dirty="0"/>
+              <a:t>|</a:t>
+            </a:r>
+            <a:r>
+              <a:rPr lang="zh-CN" altLang="en-US" sz="1800" dirty="0"/>
+              <a:t> </a:t>
+            </a:r>
+            <a:r>
+              <a:rPr lang="en-US" altLang="zh-CN" sz="1800" dirty="0" smtClean="0"/>
+              <a:t>0</a:t>
+            </a:r>
+            <a:r>
+              <a:rPr lang="zh-CN" altLang="en-US" sz="1800" dirty="0" smtClean="0"/>
+              <a:t> </a:t>
+            </a:r>
+            <a:r>
+              <a:rPr lang="en-US" altLang="zh-CN" sz="1800" dirty="0"/>
+              <a:t>|</a:t>
+            </a:r>
+            <a:r>
+              <a:rPr lang="zh-CN" altLang="en-US" sz="1800" dirty="0"/>
+              <a:t> </a:t>
+            </a:r>
+            <a:r>
+              <a:rPr lang="en-US" altLang="zh-CN" sz="1800" dirty="0" smtClean="0"/>
+              <a:t>6</a:t>
+            </a:r>
+            <a:r>
+              <a:rPr lang="zh-CN" altLang="en-US" sz="1800" dirty="0" smtClean="0"/>
+              <a:t> </a:t>
+            </a:r>
+            <a:r>
+              <a:rPr lang="en-US" altLang="zh-CN" sz="1800" dirty="0"/>
+              <a:t>|</a:t>
+            </a:r>
+            <a:endParaRPr lang="en-US" sz="1800" dirty="0"/>
+          </a:p>
+        </p:txBody>
+      </p:sp>
+      <p:sp>
+        <p:nvSpPr>
+          <p:cNvPr id="6" name="Can 5"/>
+          <p:cNvSpPr>
+            <a:spLocks noChangeAspect="1"/>
+          </p:cNvSpPr>
+          <p:nvPr/>
+        </p:nvSpPr>
+        <p:spPr>
+          <a:xfrm>
+            <a:off x="1199615" y="1488031"/>
+            <a:ext cx="2090057" cy="793666"/>
+          </a:xfrm>
+          <a:prstGeom prst="can">
+            <a:avLst/>
+          </a:prstGeom>
+          <a:ln w="28575"/>
+        </p:spPr>
+        <p:style>
+          <a:lnRef idx="2">
+            <a:schemeClr val="dk1"/>
+          </a:lnRef>
+          <a:fillRef idx="1">
+            <a:schemeClr val="lt1"/>
+          </a:fillRef>
+          <a:effectRef idx="0">
+            <a:schemeClr val="dk1"/>
+          </a:effectRef>
+          <a:fontRef idx="minor">
+            <a:schemeClr val="dk1"/>
+          </a:fontRef>
+        </p:style>
+        <p:txBody>
+          <a:bodyPr rot="0" spcFirstLastPara="0" vertOverflow="overflow" horzOverflow="overflow" vert="horz" wrap="square" lIns="91440" tIns="45720" rIns="91440" bIns="45720" numCol="1" spcCol="0" rtlCol="0" fromWordArt="0" anchor="ctr" anchorCtr="0" forceAA="0" compatLnSpc="1">
+            <a:prstTxWarp prst="textNoShape">
+              <a:avLst/>
+            </a:prstTxWarp>
+            <a:noAutofit/>
+          </a:bodyPr>
+          <a:lstStyle/>
+          <a:p>
+            <a:pPr algn="ctr"/>
+            <a:r>
+              <a:rPr lang="en-US" altLang="zh-CN" sz="1800" dirty="0" smtClean="0"/>
+              <a:t>4</a:t>
+            </a:r>
+            <a:r>
+              <a:rPr lang="zh-CN" altLang="en-US" sz="1800" dirty="0" smtClean="0"/>
+              <a:t>   </a:t>
+            </a:r>
+            <a:r>
+              <a:rPr lang="en-US" altLang="zh-CN" sz="1800" dirty="0"/>
+              <a:t>|</a:t>
+            </a:r>
+            <a:r>
+              <a:rPr lang="zh-CN" altLang="en-US" sz="1800" dirty="0"/>
+              <a:t>  </a:t>
+            </a:r>
+            <a:r>
+              <a:rPr lang="en-US" altLang="zh-CN" sz="1800" dirty="0" smtClean="0"/>
+              <a:t>3</a:t>
+            </a:r>
+            <a:r>
+              <a:rPr lang="zh-CN" altLang="en-US" sz="1800" dirty="0" smtClean="0"/>
+              <a:t>  </a:t>
+            </a:r>
+            <a:r>
+              <a:rPr lang="en-US" altLang="zh-CN" sz="1800" dirty="0"/>
+              <a:t>|</a:t>
+            </a:r>
+            <a:r>
+              <a:rPr lang="zh-CN" altLang="en-US" sz="1800" dirty="0"/>
+              <a:t> </a:t>
+            </a:r>
+            <a:r>
+              <a:rPr lang="en-US" altLang="zh-CN" sz="1800" dirty="0" smtClean="0"/>
+              <a:t>9</a:t>
+            </a:r>
+            <a:r>
+              <a:rPr lang="zh-CN" altLang="en-US" sz="1800" dirty="0" smtClean="0"/>
+              <a:t> </a:t>
+            </a:r>
+            <a:r>
+              <a:rPr lang="en-US" altLang="zh-CN" sz="1800" dirty="0"/>
+              <a:t>|</a:t>
+            </a:r>
+            <a:r>
+              <a:rPr lang="zh-CN" altLang="en-US" sz="1800" dirty="0"/>
+              <a:t> </a:t>
+            </a:r>
+            <a:r>
+              <a:rPr lang="en-US" altLang="zh-CN" sz="1800" dirty="0" smtClean="0"/>
+              <a:t>2</a:t>
+            </a:r>
+            <a:r>
+              <a:rPr lang="zh-CN" altLang="en-US" sz="1800" dirty="0" smtClean="0"/>
+              <a:t> </a:t>
+            </a:r>
+            <a:r>
+              <a:rPr lang="en-US" altLang="zh-CN" sz="1800" dirty="0"/>
+              <a:t>|</a:t>
+            </a:r>
+            <a:r>
+              <a:rPr lang="zh-CN" altLang="en-US" sz="1800" dirty="0"/>
+              <a:t> </a:t>
+            </a:r>
+            <a:r>
+              <a:rPr lang="en-US" altLang="zh-CN" sz="1800" dirty="0" smtClean="0"/>
+              <a:t>6</a:t>
+            </a:r>
+            <a:r>
+              <a:rPr lang="zh-CN" altLang="en-US" sz="1800" dirty="0" smtClean="0"/>
+              <a:t> </a:t>
+            </a:r>
+            <a:r>
+              <a:rPr lang="en-US" altLang="zh-CN" sz="1800" dirty="0"/>
+              <a:t>|</a:t>
+            </a:r>
+            <a:endParaRPr lang="en-US" sz="1800" dirty="0"/>
+          </a:p>
+        </p:txBody>
+      </p:sp>
+      <p:sp>
+        <p:nvSpPr>
+          <p:cNvPr id="7" name="Can 6"/>
+          <p:cNvSpPr>
+            <a:spLocks noChangeAspect="1"/>
+          </p:cNvSpPr>
+          <p:nvPr/>
+        </p:nvSpPr>
+        <p:spPr>
+          <a:xfrm>
+            <a:off x="1288684" y="961556"/>
+            <a:ext cx="1864427" cy="666999"/>
+          </a:xfrm>
+          <a:prstGeom prst="can">
+            <a:avLst/>
+          </a:prstGeom>
+          <a:ln w="28575"/>
+        </p:spPr>
+        <p:style>
+          <a:lnRef idx="2">
+            <a:schemeClr val="dk1"/>
+          </a:lnRef>
+          <a:fillRef idx="1">
+            <a:schemeClr val="lt1"/>
+          </a:fillRef>
+          <a:effectRef idx="0">
+            <a:schemeClr val="dk1"/>
+          </a:effectRef>
+          <a:fontRef idx="minor">
+            <a:schemeClr val="dk1"/>
+          </a:fontRef>
+        </p:style>
+        <p:txBody>
+          <a:bodyPr rot="0" spcFirstLastPara="0" vertOverflow="overflow" horzOverflow="overflow" vert="horz" wrap="square" lIns="91440" tIns="45720" rIns="91440" bIns="45720" numCol="1" spcCol="0" rtlCol="0" fromWordArt="0" anchor="ctr" anchorCtr="0" forceAA="0" compatLnSpc="1">
+            <a:prstTxWarp prst="textNoShape">
+              <a:avLst/>
+            </a:prstTxWarp>
+            <a:noAutofit/>
+          </a:bodyPr>
+          <a:lstStyle/>
+          <a:p>
+            <a:pPr algn="ctr"/>
+            <a:endParaRPr lang="en-US"/>
+          </a:p>
+        </p:txBody>
+      </p:sp>
+      <p:sp>
+        <p:nvSpPr>
+          <p:cNvPr id="8" name="Can 7"/>
+          <p:cNvSpPr>
+            <a:spLocks noChangeAspect="1"/>
+          </p:cNvSpPr>
+          <p:nvPr/>
+        </p:nvSpPr>
+        <p:spPr>
+          <a:xfrm>
+            <a:off x="1704320" y="340075"/>
+            <a:ext cx="1033153" cy="730332"/>
+          </a:xfrm>
+          <a:prstGeom prst="can">
+            <a:avLst>
+              <a:gd name="adj" fmla="val 13618"/>
+            </a:avLst>
+          </a:prstGeom>
+          <a:ln w="28575"/>
+        </p:spPr>
+        <p:style>
+          <a:lnRef idx="2">
+            <a:schemeClr val="dk1"/>
+          </a:lnRef>
+          <a:fillRef idx="1">
+            <a:schemeClr val="lt1"/>
+          </a:fillRef>
+          <a:effectRef idx="0">
+            <a:schemeClr val="dk1"/>
+          </a:effectRef>
+          <a:fontRef idx="minor">
+            <a:schemeClr val="dk1"/>
+          </a:fontRef>
+        </p:style>
+        <p:txBody>
+          <a:bodyPr rot="0" spcFirstLastPara="0" vertOverflow="overflow" horzOverflow="overflow" vert="horz" wrap="square" lIns="91440" tIns="45720" rIns="91440" bIns="45720" numCol="1" spcCol="0" rtlCol="0" fromWordArt="0" anchor="ctr" anchorCtr="0" forceAA="0" compatLnSpc="1">
+            <a:prstTxWarp prst="textNoShape">
+              <a:avLst/>
+            </a:prstTxWarp>
+            <a:noAutofit/>
+          </a:bodyPr>
+          <a:lstStyle/>
+          <a:p>
+            <a:pPr algn="ctr"/>
+            <a:endParaRPr lang="en-US"/>
+          </a:p>
+        </p:txBody>
+      </p:sp>
+      <p:sp>
+        <p:nvSpPr>
+          <p:cNvPr id="9" name="Up Arrow 8"/>
+          <p:cNvSpPr>
+            <a:spLocks noChangeAspect="1"/>
+          </p:cNvSpPr>
+          <p:nvPr/>
+        </p:nvSpPr>
+        <p:spPr>
+          <a:xfrm>
+            <a:off x="1288683" y="4341078"/>
+            <a:ext cx="261258" cy="381992"/>
+          </a:xfrm>
+          <a:prstGeom prst="upArrow">
+            <a:avLst/>
+          </a:prstGeom>
+          <a:ln w="28575"/>
+        </p:spPr>
+        <p:style>
+          <a:lnRef idx="2">
+            <a:schemeClr val="dk1">
+              <a:shade val="50000"/>
+            </a:schemeClr>
+          </a:lnRef>
+          <a:fillRef idx="1">
+            <a:schemeClr val="dk1"/>
+          </a:fillRef>
+          <a:effectRef idx="0">
+            <a:schemeClr val="dk1"/>
+          </a:effectRef>
+          <a:fontRef idx="minor">
+            <a:schemeClr val="lt1"/>
+          </a:fontRef>
+        </p:style>
+        <p:txBody>
+          <a:bodyPr rot="0" spcFirstLastPara="0" vertOverflow="overflow" horzOverflow="overflow" vert="horz" wrap="square" lIns="91440" tIns="45720" rIns="91440" bIns="45720" numCol="1" spcCol="0" rtlCol="0" fromWordArt="0" anchor="ctr" anchorCtr="0" forceAA="0" compatLnSpc="1">
+            <a:prstTxWarp prst="textNoShape">
+              <a:avLst/>
+            </a:prstTxWarp>
+            <a:noAutofit/>
+          </a:bodyPr>
+          <a:lstStyle/>
+          <a:p>
+            <a:pPr algn="ctr"/>
+            <a:endParaRPr lang="en-US"/>
+          </a:p>
+        </p:txBody>
+      </p:sp>
+      <p:sp>
+        <p:nvSpPr>
+          <p:cNvPr id="10" name="Rectangle 9"/>
+          <p:cNvSpPr/>
+          <p:nvPr/>
+        </p:nvSpPr>
+        <p:spPr>
+          <a:xfrm>
+            <a:off x="3690971" y="1753249"/>
+            <a:ext cx="265471" cy="299164"/>
+          </a:xfrm>
+          <a:prstGeom prst="rect">
+            <a:avLst/>
+          </a:prstGeom>
+        </p:spPr>
+        <p:style>
+          <a:lnRef idx="2">
+            <a:schemeClr val="dk1"/>
+          </a:lnRef>
+          <a:fillRef idx="1">
+            <a:schemeClr val="lt1"/>
+          </a:fillRef>
+          <a:effectRef idx="0">
+            <a:schemeClr val="dk1"/>
+          </a:effectRef>
+          <a:fontRef idx="minor">
+            <a:schemeClr val="dk1"/>
+          </a:fontRef>
+        </p:style>
+        <p:txBody>
+          <a:bodyPr rtlCol="0" anchor="ctr"/>
+          <a:lstStyle/>
+          <a:p>
+            <a:pPr algn="ctr"/>
+            <a:r>
+              <a:rPr lang="en-US" dirty="0"/>
+              <a:t>0</a:t>
+            </a:r>
+            <a:endParaRPr lang="en-US" dirty="0"/>
+          </a:p>
+        </p:txBody>
+      </p:sp>
+      <p:sp>
+        <p:nvSpPr>
+          <p:cNvPr id="11" name="Rectangle 10"/>
+          <p:cNvSpPr/>
+          <p:nvPr/>
+        </p:nvSpPr>
+        <p:spPr>
+          <a:xfrm>
+            <a:off x="3951531" y="1753249"/>
+            <a:ext cx="265471" cy="299164"/>
+          </a:xfrm>
+          <a:prstGeom prst="rect">
+            <a:avLst/>
+          </a:prstGeom>
+        </p:spPr>
+        <p:style>
+          <a:lnRef idx="2">
+            <a:schemeClr val="dk1"/>
+          </a:lnRef>
+          <a:fillRef idx="1">
+            <a:schemeClr val="lt1"/>
+          </a:fillRef>
+          <a:effectRef idx="0">
+            <a:schemeClr val="dk1"/>
+          </a:effectRef>
+          <a:fontRef idx="minor">
+            <a:schemeClr val="dk1"/>
+          </a:fontRef>
+        </p:style>
+        <p:txBody>
+          <a:bodyPr rtlCol="0" anchor="ctr"/>
+          <a:lstStyle/>
+          <a:p>
+            <a:pPr algn="ctr"/>
+            <a:r>
+              <a:rPr lang="en-US" dirty="0" smtClean="0"/>
+              <a:t>8</a:t>
+            </a:r>
+            <a:endParaRPr lang="en-US" dirty="0"/>
+          </a:p>
+        </p:txBody>
+      </p:sp>
+      <p:sp>
+        <p:nvSpPr>
+          <p:cNvPr id="12" name="Rectangle 11"/>
+          <p:cNvSpPr/>
+          <p:nvPr/>
+        </p:nvSpPr>
+        <p:spPr>
+          <a:xfrm>
+            <a:off x="4222064" y="1753249"/>
+            <a:ext cx="265471" cy="299164"/>
+          </a:xfrm>
+          <a:prstGeom prst="rect">
+            <a:avLst/>
+          </a:prstGeom>
+        </p:spPr>
+        <p:style>
+          <a:lnRef idx="2">
+            <a:schemeClr val="dk1"/>
+          </a:lnRef>
+          <a:fillRef idx="1">
+            <a:schemeClr val="lt1"/>
+          </a:fillRef>
+          <a:effectRef idx="0">
+            <a:schemeClr val="dk1"/>
+          </a:effectRef>
+          <a:fontRef idx="minor">
+            <a:schemeClr val="dk1"/>
+          </a:fontRef>
+        </p:style>
+        <p:txBody>
+          <a:bodyPr rtlCol="0" anchor="ctr"/>
+          <a:lstStyle/>
+          <a:p>
+            <a:pPr algn="ctr"/>
+            <a:r>
+              <a:rPr lang="en-US" altLang="zh-CN" dirty="0" smtClean="0"/>
+              <a:t>5</a:t>
+            </a:r>
+            <a:endParaRPr lang="en-US" dirty="0"/>
+          </a:p>
+        </p:txBody>
+      </p:sp>
+      <p:sp>
+        <p:nvSpPr>
+          <p:cNvPr id="13" name="Rectangle 12"/>
+          <p:cNvSpPr/>
+          <p:nvPr/>
+        </p:nvSpPr>
+        <p:spPr>
+          <a:xfrm>
+            <a:off x="4482624" y="1753249"/>
+            <a:ext cx="265471" cy="299164"/>
+          </a:xfrm>
+          <a:prstGeom prst="rect">
+            <a:avLst/>
+          </a:prstGeom>
+        </p:spPr>
+        <p:style>
+          <a:lnRef idx="2">
+            <a:schemeClr val="dk1"/>
+          </a:lnRef>
+          <a:fillRef idx="1">
+            <a:schemeClr val="lt1"/>
+          </a:fillRef>
+          <a:effectRef idx="0">
+            <a:schemeClr val="dk1"/>
+          </a:effectRef>
+          <a:fontRef idx="minor">
+            <a:schemeClr val="dk1"/>
+          </a:fontRef>
+        </p:style>
+        <p:txBody>
+          <a:bodyPr rtlCol="0" anchor="ctr"/>
+          <a:lstStyle/>
+          <a:p>
+            <a:pPr algn="ctr"/>
+            <a:r>
+              <a:rPr lang="en-US" altLang="zh-CN" dirty="0" smtClean="0"/>
+              <a:t>7</a:t>
+            </a:r>
+            <a:endParaRPr lang="en-US" dirty="0"/>
+          </a:p>
+        </p:txBody>
+      </p:sp>
+      <p:sp>
+        <p:nvSpPr>
+          <p:cNvPr id="14" name="Rectangle 13"/>
+          <p:cNvSpPr/>
+          <p:nvPr/>
+        </p:nvSpPr>
+        <p:spPr>
+          <a:xfrm>
+            <a:off x="4748095" y="1753249"/>
+            <a:ext cx="265471" cy="299164"/>
+          </a:xfrm>
+          <a:prstGeom prst="rect">
+            <a:avLst/>
+          </a:prstGeom>
+        </p:spPr>
+        <p:style>
+          <a:lnRef idx="2">
+            <a:schemeClr val="dk1"/>
+          </a:lnRef>
+          <a:fillRef idx="1">
+            <a:schemeClr val="lt1"/>
+          </a:fillRef>
+          <a:effectRef idx="0">
+            <a:schemeClr val="dk1"/>
+          </a:effectRef>
+          <a:fontRef idx="minor">
+            <a:schemeClr val="dk1"/>
+          </a:fontRef>
+        </p:style>
+        <p:txBody>
+          <a:bodyPr rtlCol="0" anchor="ctr"/>
+          <a:lstStyle/>
+          <a:p>
+            <a:pPr algn="ctr"/>
+            <a:r>
+              <a:rPr lang="en-US" altLang="zh-CN" dirty="0" smtClean="0"/>
+              <a:t>1</a:t>
+            </a:r>
+            <a:endParaRPr lang="en-US" dirty="0"/>
+          </a:p>
+        </p:txBody>
+      </p:sp>
+      <p:sp>
+        <p:nvSpPr>
+          <p:cNvPr id="15" name="Rectangle 14"/>
+          <p:cNvSpPr/>
+          <p:nvPr/>
+        </p:nvSpPr>
+        <p:spPr>
+          <a:xfrm>
+            <a:off x="5008655" y="1753249"/>
+            <a:ext cx="265471" cy="299164"/>
+          </a:xfrm>
+          <a:prstGeom prst="rect">
+            <a:avLst/>
+          </a:prstGeom>
+        </p:spPr>
+        <p:style>
+          <a:lnRef idx="2">
+            <a:schemeClr val="dk1"/>
+          </a:lnRef>
+          <a:fillRef idx="1">
+            <a:schemeClr val="lt1"/>
+          </a:fillRef>
+          <a:effectRef idx="0">
+            <a:schemeClr val="dk1"/>
+          </a:effectRef>
+          <a:fontRef idx="minor">
+            <a:schemeClr val="dk1"/>
+          </a:fontRef>
+        </p:style>
+        <p:txBody>
+          <a:bodyPr rtlCol="0" anchor="ctr"/>
+          <a:lstStyle/>
+          <a:p>
+            <a:pPr algn="ctr"/>
+            <a:r>
+              <a:rPr lang="en-US" altLang="zh-CN" dirty="0" smtClean="0"/>
+              <a:t>4</a:t>
+            </a:r>
+            <a:endParaRPr lang="en-US" dirty="0"/>
+          </a:p>
+        </p:txBody>
+      </p:sp>
+      <p:sp>
+        <p:nvSpPr>
+          <p:cNvPr id="16" name="Rectangle 15"/>
+          <p:cNvSpPr/>
+          <p:nvPr/>
+        </p:nvSpPr>
+        <p:spPr>
+          <a:xfrm>
+            <a:off x="5269952" y="1753249"/>
+            <a:ext cx="265471" cy="299164"/>
+          </a:xfrm>
+          <a:prstGeom prst="rect">
+            <a:avLst/>
+          </a:prstGeom>
+        </p:spPr>
+        <p:style>
+          <a:lnRef idx="2">
+            <a:schemeClr val="dk1"/>
+          </a:lnRef>
+          <a:fillRef idx="1">
+            <a:schemeClr val="lt1"/>
+          </a:fillRef>
+          <a:effectRef idx="0">
+            <a:schemeClr val="dk1"/>
+          </a:effectRef>
+          <a:fontRef idx="minor">
+            <a:schemeClr val="dk1"/>
+          </a:fontRef>
+        </p:style>
+        <p:txBody>
+          <a:bodyPr rtlCol="0" anchor="ctr"/>
+          <a:lstStyle/>
+          <a:p>
+            <a:pPr algn="ctr"/>
+            <a:r>
+              <a:rPr lang="en-US" altLang="zh-CN" dirty="0" smtClean="0"/>
+              <a:t>3</a:t>
+            </a:r>
+            <a:endParaRPr lang="en-US" dirty="0"/>
+          </a:p>
+        </p:txBody>
+      </p:sp>
+      <p:sp>
+        <p:nvSpPr>
+          <p:cNvPr id="17" name="Rectangle 16"/>
+          <p:cNvSpPr/>
+          <p:nvPr/>
+        </p:nvSpPr>
+        <p:spPr>
+          <a:xfrm>
+            <a:off x="5530512" y="1753249"/>
+            <a:ext cx="265471" cy="299164"/>
+          </a:xfrm>
+          <a:prstGeom prst="rect">
+            <a:avLst/>
+          </a:prstGeom>
+        </p:spPr>
+        <p:style>
+          <a:lnRef idx="2">
+            <a:schemeClr val="dk1"/>
+          </a:lnRef>
+          <a:fillRef idx="1">
+            <a:schemeClr val="lt1"/>
+          </a:fillRef>
+          <a:effectRef idx="0">
+            <a:schemeClr val="dk1"/>
+          </a:effectRef>
+          <a:fontRef idx="minor">
+            <a:schemeClr val="dk1"/>
+          </a:fontRef>
+        </p:style>
+        <p:txBody>
+          <a:bodyPr rtlCol="0" anchor="ctr"/>
+          <a:lstStyle/>
+          <a:p>
+            <a:pPr algn="ctr"/>
+            <a:r>
+              <a:rPr lang="en-US" altLang="zh-CN" dirty="0" smtClean="0"/>
+              <a:t>9</a:t>
+            </a:r>
+            <a:endParaRPr lang="en-US" dirty="0"/>
+          </a:p>
+        </p:txBody>
+      </p:sp>
+      <p:sp>
+        <p:nvSpPr>
+          <p:cNvPr id="18" name="Rectangle 17"/>
+          <p:cNvSpPr/>
+          <p:nvPr/>
+        </p:nvSpPr>
+        <p:spPr>
+          <a:xfrm>
+            <a:off x="3427956" y="1753249"/>
+            <a:ext cx="265471" cy="299164"/>
+          </a:xfrm>
+          <a:prstGeom prst="rect">
+            <a:avLst/>
+          </a:prstGeom>
+        </p:spPr>
+        <p:style>
+          <a:lnRef idx="2">
+            <a:schemeClr val="dk1"/>
+          </a:lnRef>
+          <a:fillRef idx="1">
+            <a:schemeClr val="lt1"/>
+          </a:fillRef>
+          <a:effectRef idx="0">
+            <a:schemeClr val="dk1"/>
+          </a:effectRef>
+          <a:fontRef idx="minor">
+            <a:schemeClr val="dk1"/>
+          </a:fontRef>
+        </p:style>
+        <p:txBody>
+          <a:bodyPr rtlCol="0" anchor="ctr"/>
+          <a:lstStyle/>
+          <a:p>
+            <a:pPr algn="ctr"/>
+            <a:r>
+              <a:rPr lang="en-US" altLang="zh-CN" dirty="0" smtClean="0"/>
+              <a:t>6</a:t>
+            </a:r>
+            <a:endParaRPr lang="en-US" dirty="0"/>
+          </a:p>
+        </p:txBody>
+      </p:sp>
+      <p:sp>
+        <p:nvSpPr>
+          <p:cNvPr id="19" name="Rectangle 18"/>
+          <p:cNvSpPr/>
+          <p:nvPr/>
+        </p:nvSpPr>
+        <p:spPr>
+          <a:xfrm>
+            <a:off x="5791072" y="1753249"/>
+            <a:ext cx="265471" cy="299164"/>
+          </a:xfrm>
+          <a:prstGeom prst="rect">
+            <a:avLst/>
+          </a:prstGeom>
+        </p:spPr>
+        <p:style>
+          <a:lnRef idx="2">
+            <a:schemeClr val="dk1"/>
+          </a:lnRef>
+          <a:fillRef idx="1">
+            <a:schemeClr val="lt1"/>
+          </a:fillRef>
+          <a:effectRef idx="0">
+            <a:schemeClr val="dk1"/>
+          </a:effectRef>
+          <a:fontRef idx="minor">
+            <a:schemeClr val="dk1"/>
+          </a:fontRef>
+        </p:style>
+        <p:txBody>
+          <a:bodyPr rtlCol="0" anchor="ctr"/>
+          <a:lstStyle/>
+          <a:p>
+            <a:pPr algn="ctr"/>
+            <a:r>
+              <a:rPr lang="en-US" altLang="zh-CN" dirty="0" smtClean="0"/>
+              <a:t>2</a:t>
+            </a:r>
+            <a:endParaRPr lang="en-US" dirty="0"/>
+          </a:p>
+        </p:txBody>
+      </p:sp>
+      <p:sp>
+        <p:nvSpPr>
+          <p:cNvPr id="21" name="Rectangle 20"/>
+          <p:cNvSpPr/>
+          <p:nvPr/>
+        </p:nvSpPr>
+        <p:spPr>
+          <a:xfrm>
+            <a:off x="3690971" y="2395177"/>
+            <a:ext cx="265471" cy="299164"/>
+          </a:xfrm>
+          <a:prstGeom prst="rect">
+            <a:avLst/>
+          </a:prstGeom>
+        </p:spPr>
+        <p:style>
+          <a:lnRef idx="2">
+            <a:schemeClr val="dk1"/>
+          </a:lnRef>
+          <a:fillRef idx="1">
+            <a:schemeClr val="lt1"/>
+          </a:fillRef>
+          <a:effectRef idx="0">
+            <a:schemeClr val="dk1"/>
+          </a:effectRef>
+          <a:fontRef idx="minor">
+            <a:schemeClr val="dk1"/>
+          </a:fontRef>
+        </p:style>
+        <p:txBody>
+          <a:bodyPr rtlCol="0" anchor="ctr"/>
+          <a:lstStyle/>
+          <a:p>
+            <a:pPr algn="ctr"/>
+            <a:r>
+              <a:rPr lang="en-US" altLang="zh-CN" dirty="0" smtClean="0"/>
+              <a:t>3</a:t>
+            </a:r>
+            <a:endParaRPr lang="en-US" dirty="0"/>
+          </a:p>
+        </p:txBody>
+      </p:sp>
+      <p:sp>
+        <p:nvSpPr>
+          <p:cNvPr id="22" name="Rectangle 21"/>
+          <p:cNvSpPr/>
+          <p:nvPr/>
+        </p:nvSpPr>
+        <p:spPr>
+          <a:xfrm>
+            <a:off x="3951531" y="2395177"/>
+            <a:ext cx="265471" cy="299164"/>
+          </a:xfrm>
+          <a:prstGeom prst="rect">
+            <a:avLst/>
+          </a:prstGeom>
+        </p:spPr>
+        <p:style>
+          <a:lnRef idx="2">
+            <a:schemeClr val="dk1"/>
+          </a:lnRef>
+          <a:fillRef idx="1">
+            <a:schemeClr val="lt1"/>
+          </a:fillRef>
+          <a:effectRef idx="0">
+            <a:schemeClr val="dk1"/>
+          </a:effectRef>
+          <a:fontRef idx="minor">
+            <a:schemeClr val="dk1"/>
+          </a:fontRef>
+        </p:style>
+        <p:txBody>
+          <a:bodyPr rtlCol="0" anchor="ctr"/>
+          <a:lstStyle/>
+          <a:p>
+            <a:pPr algn="ctr"/>
+            <a:r>
+              <a:rPr lang="en-US" altLang="zh-CN" dirty="0" smtClean="0"/>
+              <a:t>8</a:t>
+            </a:r>
+            <a:endParaRPr lang="en-US" dirty="0"/>
+          </a:p>
+        </p:txBody>
+      </p:sp>
+      <p:sp>
+        <p:nvSpPr>
+          <p:cNvPr id="23" name="Rectangle 22"/>
+          <p:cNvSpPr/>
+          <p:nvPr/>
+        </p:nvSpPr>
+        <p:spPr>
+          <a:xfrm>
+            <a:off x="4222064" y="2395177"/>
+            <a:ext cx="265471" cy="299164"/>
+          </a:xfrm>
+          <a:prstGeom prst="rect">
+            <a:avLst/>
+          </a:prstGeom>
+        </p:spPr>
+        <p:style>
+          <a:lnRef idx="2">
+            <a:schemeClr val="dk1"/>
+          </a:lnRef>
+          <a:fillRef idx="1">
+            <a:schemeClr val="lt1"/>
+          </a:fillRef>
+          <a:effectRef idx="0">
+            <a:schemeClr val="dk1"/>
+          </a:effectRef>
+          <a:fontRef idx="minor">
+            <a:schemeClr val="dk1"/>
+          </a:fontRef>
+        </p:style>
+        <p:txBody>
+          <a:bodyPr rtlCol="0" anchor="ctr"/>
+          <a:lstStyle/>
+          <a:p>
+            <a:pPr algn="ctr"/>
+            <a:r>
+              <a:rPr lang="en-US" altLang="zh-CN" dirty="0" smtClean="0"/>
+              <a:t>5</a:t>
+            </a:r>
+            <a:endParaRPr lang="en-US" dirty="0"/>
+          </a:p>
+        </p:txBody>
+      </p:sp>
+      <p:sp>
+        <p:nvSpPr>
+          <p:cNvPr id="24" name="Rectangle 23"/>
+          <p:cNvSpPr/>
+          <p:nvPr/>
+        </p:nvSpPr>
+        <p:spPr>
+          <a:xfrm>
+            <a:off x="4482624" y="2395177"/>
+            <a:ext cx="265471" cy="299164"/>
+          </a:xfrm>
+          <a:prstGeom prst="rect">
+            <a:avLst/>
+          </a:prstGeom>
+        </p:spPr>
+        <p:style>
+          <a:lnRef idx="2">
+            <a:schemeClr val="dk1"/>
+          </a:lnRef>
+          <a:fillRef idx="1">
+            <a:schemeClr val="lt1"/>
+          </a:fillRef>
+          <a:effectRef idx="0">
+            <a:schemeClr val="dk1"/>
+          </a:effectRef>
+          <a:fontRef idx="minor">
+            <a:schemeClr val="dk1"/>
+          </a:fontRef>
+        </p:style>
+        <p:txBody>
+          <a:bodyPr rtlCol="0" anchor="ctr"/>
+          <a:lstStyle/>
+          <a:p>
+            <a:pPr algn="ctr"/>
+            <a:r>
+              <a:rPr lang="en-US" altLang="zh-CN" dirty="0" smtClean="0"/>
+              <a:t>9</a:t>
+            </a:r>
+            <a:endParaRPr lang="en-US" dirty="0"/>
+          </a:p>
+        </p:txBody>
+      </p:sp>
+      <p:sp>
+        <p:nvSpPr>
+          <p:cNvPr id="25" name="Rectangle 24"/>
+          <p:cNvSpPr/>
+          <p:nvPr/>
+        </p:nvSpPr>
+        <p:spPr>
+          <a:xfrm>
+            <a:off x="4748095" y="2395177"/>
+            <a:ext cx="265471" cy="299164"/>
+          </a:xfrm>
+          <a:prstGeom prst="rect">
+            <a:avLst/>
+          </a:prstGeom>
+        </p:spPr>
+        <p:style>
+          <a:lnRef idx="2">
+            <a:schemeClr val="dk1"/>
+          </a:lnRef>
+          <a:fillRef idx="1">
+            <a:schemeClr val="lt1"/>
+          </a:fillRef>
+          <a:effectRef idx="0">
+            <a:schemeClr val="dk1"/>
+          </a:effectRef>
+          <a:fontRef idx="minor">
+            <a:schemeClr val="dk1"/>
+          </a:fontRef>
+        </p:style>
+        <p:txBody>
+          <a:bodyPr rtlCol="0" anchor="ctr"/>
+          <a:lstStyle/>
+          <a:p>
+            <a:pPr algn="ctr"/>
+            <a:r>
+              <a:rPr lang="en-US" altLang="zh-CN" dirty="0" smtClean="0"/>
+              <a:t>1</a:t>
+            </a:r>
+            <a:endParaRPr lang="en-US" dirty="0"/>
+          </a:p>
+        </p:txBody>
+      </p:sp>
+      <p:sp>
+        <p:nvSpPr>
+          <p:cNvPr id="26" name="Rectangle 25"/>
+          <p:cNvSpPr/>
+          <p:nvPr/>
+        </p:nvSpPr>
+        <p:spPr>
+          <a:xfrm>
+            <a:off x="5008655" y="2395177"/>
+            <a:ext cx="265471" cy="299164"/>
+          </a:xfrm>
+          <a:prstGeom prst="rect">
+            <a:avLst/>
+          </a:prstGeom>
+        </p:spPr>
+        <p:style>
+          <a:lnRef idx="2">
+            <a:schemeClr val="dk1"/>
+          </a:lnRef>
+          <a:fillRef idx="1">
+            <a:schemeClr val="lt1"/>
+          </a:fillRef>
+          <a:effectRef idx="0">
+            <a:schemeClr val="dk1"/>
+          </a:effectRef>
+          <a:fontRef idx="minor">
+            <a:schemeClr val="dk1"/>
+          </a:fontRef>
+        </p:style>
+        <p:txBody>
+          <a:bodyPr rtlCol="0" anchor="ctr"/>
+          <a:lstStyle/>
+          <a:p>
+            <a:pPr algn="ctr"/>
+            <a:r>
+              <a:rPr lang="en-US" altLang="zh-CN" dirty="0" smtClean="0"/>
+              <a:t>4</a:t>
+            </a:r>
+            <a:endParaRPr lang="en-US" dirty="0"/>
+          </a:p>
+        </p:txBody>
+      </p:sp>
+      <p:sp>
+        <p:nvSpPr>
+          <p:cNvPr id="27" name="Rectangle 26"/>
+          <p:cNvSpPr/>
+          <p:nvPr/>
+        </p:nvSpPr>
+        <p:spPr>
+          <a:xfrm>
+            <a:off x="5269952" y="2395177"/>
+            <a:ext cx="265471" cy="299164"/>
+          </a:xfrm>
+          <a:prstGeom prst="rect">
+            <a:avLst/>
+          </a:prstGeom>
+        </p:spPr>
+        <p:style>
+          <a:lnRef idx="2">
+            <a:schemeClr val="dk1"/>
+          </a:lnRef>
+          <a:fillRef idx="1">
+            <a:schemeClr val="lt1"/>
+          </a:fillRef>
+          <a:effectRef idx="0">
+            <a:schemeClr val="dk1"/>
+          </a:effectRef>
+          <a:fontRef idx="minor">
+            <a:schemeClr val="dk1"/>
+          </a:fontRef>
+        </p:style>
+        <p:txBody>
+          <a:bodyPr rtlCol="0" anchor="ctr"/>
+          <a:lstStyle/>
+          <a:p>
+            <a:pPr algn="ctr"/>
+            <a:r>
+              <a:rPr lang="en-US" altLang="zh-CN" dirty="0" smtClean="0"/>
+              <a:t>0</a:t>
+            </a:r>
+            <a:endParaRPr lang="en-US" dirty="0"/>
+          </a:p>
+        </p:txBody>
+      </p:sp>
+      <p:sp>
+        <p:nvSpPr>
+          <p:cNvPr id="28" name="Rectangle 27"/>
+          <p:cNvSpPr/>
+          <p:nvPr/>
+        </p:nvSpPr>
+        <p:spPr>
+          <a:xfrm>
+            <a:off x="5530512" y="2395177"/>
+            <a:ext cx="265471" cy="299164"/>
+          </a:xfrm>
+          <a:prstGeom prst="rect">
+            <a:avLst/>
+          </a:prstGeom>
+        </p:spPr>
+        <p:style>
+          <a:lnRef idx="2">
+            <a:schemeClr val="dk1"/>
+          </a:lnRef>
+          <a:fillRef idx="1">
+            <a:schemeClr val="lt1"/>
+          </a:fillRef>
+          <a:effectRef idx="0">
+            <a:schemeClr val="dk1"/>
+          </a:effectRef>
+          <a:fontRef idx="minor">
+            <a:schemeClr val="dk1"/>
+          </a:fontRef>
+        </p:style>
+        <p:txBody>
+          <a:bodyPr rtlCol="0" anchor="ctr"/>
+          <a:lstStyle/>
+          <a:p>
+            <a:pPr algn="ctr"/>
+            <a:r>
+              <a:rPr lang="en-US" altLang="zh-CN" dirty="0" smtClean="0"/>
+              <a:t>6</a:t>
+            </a:r>
+            <a:endParaRPr lang="en-US" dirty="0"/>
+          </a:p>
+        </p:txBody>
+      </p:sp>
+      <p:sp>
+        <p:nvSpPr>
+          <p:cNvPr id="29" name="Rectangle 28"/>
+          <p:cNvSpPr/>
+          <p:nvPr/>
+        </p:nvSpPr>
+        <p:spPr>
+          <a:xfrm>
+            <a:off x="3427956" y="2395177"/>
+            <a:ext cx="265471" cy="299164"/>
+          </a:xfrm>
+          <a:prstGeom prst="rect">
+            <a:avLst/>
+          </a:prstGeom>
+        </p:spPr>
+        <p:style>
+          <a:lnRef idx="2">
+            <a:schemeClr val="dk1"/>
+          </a:lnRef>
+          <a:fillRef idx="1">
+            <a:schemeClr val="lt1"/>
+          </a:fillRef>
+          <a:effectRef idx="0">
+            <a:schemeClr val="dk1"/>
+          </a:effectRef>
+          <a:fontRef idx="minor">
+            <a:schemeClr val="dk1"/>
+          </a:fontRef>
+        </p:style>
+        <p:txBody>
+          <a:bodyPr rtlCol="0" anchor="ctr"/>
+          <a:lstStyle/>
+          <a:p>
+            <a:pPr algn="ctr"/>
+            <a:r>
+              <a:rPr lang="en-US" altLang="zh-CN" dirty="0" smtClean="0"/>
+              <a:t>2</a:t>
+            </a:r>
+            <a:endParaRPr lang="en-US" dirty="0"/>
+          </a:p>
+        </p:txBody>
+      </p:sp>
+      <p:sp>
+        <p:nvSpPr>
+          <p:cNvPr id="30" name="Rectangle 29"/>
+          <p:cNvSpPr/>
+          <p:nvPr/>
+        </p:nvSpPr>
+        <p:spPr>
+          <a:xfrm>
+            <a:off x="5791072" y="2395177"/>
+            <a:ext cx="265471" cy="299164"/>
+          </a:xfrm>
+          <a:prstGeom prst="rect">
+            <a:avLst/>
+          </a:prstGeom>
+        </p:spPr>
+        <p:style>
+          <a:lnRef idx="2">
+            <a:schemeClr val="dk1"/>
+          </a:lnRef>
+          <a:fillRef idx="1">
+            <a:schemeClr val="lt1"/>
+          </a:fillRef>
+          <a:effectRef idx="0">
+            <a:schemeClr val="dk1"/>
+          </a:effectRef>
+          <a:fontRef idx="minor">
+            <a:schemeClr val="dk1"/>
+          </a:fontRef>
+        </p:style>
+        <p:txBody>
+          <a:bodyPr rtlCol="0" anchor="ctr"/>
+          <a:lstStyle/>
+          <a:p>
+            <a:pPr algn="ctr"/>
+            <a:r>
+              <a:rPr lang="en-US" altLang="zh-CN" dirty="0" smtClean="0"/>
+              <a:t>7</a:t>
+            </a:r>
+            <a:endParaRPr lang="en-US" dirty="0"/>
+          </a:p>
+        </p:txBody>
+      </p:sp>
+      <p:sp>
+        <p:nvSpPr>
+          <p:cNvPr id="31" name="Rectangle 30"/>
+          <p:cNvSpPr/>
+          <p:nvPr/>
+        </p:nvSpPr>
+        <p:spPr>
+          <a:xfrm>
+            <a:off x="3690971" y="3037105"/>
+            <a:ext cx="265471" cy="299164"/>
+          </a:xfrm>
+          <a:prstGeom prst="rect">
+            <a:avLst/>
+          </a:prstGeom>
+        </p:spPr>
+        <p:style>
+          <a:lnRef idx="2">
+            <a:schemeClr val="dk1"/>
+          </a:lnRef>
+          <a:fillRef idx="1">
+            <a:schemeClr val="lt1"/>
+          </a:fillRef>
+          <a:effectRef idx="0">
+            <a:schemeClr val="dk1"/>
+          </a:effectRef>
+          <a:fontRef idx="minor">
+            <a:schemeClr val="dk1"/>
+          </a:fontRef>
+        </p:style>
+        <p:txBody>
+          <a:bodyPr rtlCol="0" anchor="ctr"/>
+          <a:lstStyle/>
+          <a:p>
+            <a:pPr algn="ctr"/>
+            <a:r>
+              <a:rPr lang="en-US" altLang="zh-CN" dirty="0" smtClean="0"/>
+              <a:t>7</a:t>
+            </a:r>
+            <a:endParaRPr lang="en-US" dirty="0"/>
+          </a:p>
+        </p:txBody>
+      </p:sp>
+      <p:sp>
+        <p:nvSpPr>
+          <p:cNvPr id="32" name="Rectangle 31"/>
+          <p:cNvSpPr/>
+          <p:nvPr/>
+        </p:nvSpPr>
+        <p:spPr>
+          <a:xfrm>
+            <a:off x="3951531" y="3037105"/>
+            <a:ext cx="265471" cy="299164"/>
+          </a:xfrm>
+          <a:prstGeom prst="rect">
+            <a:avLst/>
+          </a:prstGeom>
+        </p:spPr>
+        <p:style>
+          <a:lnRef idx="2">
+            <a:schemeClr val="dk1"/>
+          </a:lnRef>
+          <a:fillRef idx="1">
+            <a:schemeClr val="lt1"/>
+          </a:fillRef>
+          <a:effectRef idx="0">
+            <a:schemeClr val="dk1"/>
+          </a:effectRef>
+          <a:fontRef idx="minor">
+            <a:schemeClr val="dk1"/>
+          </a:fontRef>
+        </p:style>
+        <p:txBody>
+          <a:bodyPr rtlCol="0" anchor="ctr"/>
+          <a:lstStyle/>
+          <a:p>
+            <a:pPr algn="ctr"/>
+            <a:r>
+              <a:rPr lang="en-US" dirty="0"/>
+              <a:t>3</a:t>
+            </a:r>
+          </a:p>
+        </p:txBody>
+      </p:sp>
+      <p:sp>
+        <p:nvSpPr>
+          <p:cNvPr id="33" name="Rectangle 32"/>
+          <p:cNvSpPr/>
+          <p:nvPr/>
+        </p:nvSpPr>
+        <p:spPr>
+          <a:xfrm>
+            <a:off x="4222064" y="3037105"/>
+            <a:ext cx="265471" cy="299164"/>
+          </a:xfrm>
+          <a:prstGeom prst="rect">
+            <a:avLst/>
+          </a:prstGeom>
+        </p:spPr>
+        <p:style>
+          <a:lnRef idx="2">
+            <a:schemeClr val="dk1"/>
+          </a:lnRef>
+          <a:fillRef idx="1">
+            <a:schemeClr val="lt1"/>
+          </a:fillRef>
+          <a:effectRef idx="0">
+            <a:schemeClr val="dk1"/>
+          </a:effectRef>
+          <a:fontRef idx="minor">
+            <a:schemeClr val="dk1"/>
+          </a:fontRef>
+        </p:style>
+        <p:txBody>
+          <a:bodyPr rtlCol="0" anchor="ctr"/>
+          <a:lstStyle/>
+          <a:p>
+            <a:pPr algn="ctr"/>
+            <a:r>
+              <a:rPr lang="en-US" altLang="zh-CN" dirty="0" smtClean="0"/>
+              <a:t>8</a:t>
+            </a:r>
+            <a:endParaRPr lang="en-US" dirty="0"/>
+          </a:p>
+        </p:txBody>
+      </p:sp>
+      <p:sp>
+        <p:nvSpPr>
+          <p:cNvPr id="34" name="Rectangle 33"/>
+          <p:cNvSpPr/>
+          <p:nvPr/>
+        </p:nvSpPr>
+        <p:spPr>
+          <a:xfrm>
+            <a:off x="4482624" y="3037105"/>
+            <a:ext cx="265471" cy="299164"/>
+          </a:xfrm>
+          <a:prstGeom prst="rect">
+            <a:avLst/>
+          </a:prstGeom>
+        </p:spPr>
+        <p:style>
+          <a:lnRef idx="2">
+            <a:schemeClr val="dk1"/>
+          </a:lnRef>
+          <a:fillRef idx="1">
+            <a:schemeClr val="lt1"/>
+          </a:fillRef>
+          <a:effectRef idx="0">
+            <a:schemeClr val="dk1"/>
+          </a:effectRef>
+          <a:fontRef idx="minor">
+            <a:schemeClr val="dk1"/>
+          </a:fontRef>
+        </p:style>
+        <p:txBody>
+          <a:bodyPr rtlCol="0" anchor="ctr"/>
+          <a:lstStyle/>
+          <a:p>
+            <a:pPr algn="ctr"/>
+            <a:r>
+              <a:rPr lang="en-US" altLang="zh-CN" dirty="0" smtClean="0"/>
+              <a:t>0</a:t>
+            </a:r>
+            <a:endParaRPr lang="en-US" dirty="0"/>
+          </a:p>
+        </p:txBody>
+      </p:sp>
+      <p:sp>
+        <p:nvSpPr>
+          <p:cNvPr id="35" name="Rectangle 34"/>
+          <p:cNvSpPr/>
+          <p:nvPr/>
+        </p:nvSpPr>
+        <p:spPr>
+          <a:xfrm>
+            <a:off x="4748095" y="3037105"/>
+            <a:ext cx="265471" cy="299164"/>
+          </a:xfrm>
+          <a:prstGeom prst="rect">
+            <a:avLst/>
+          </a:prstGeom>
+        </p:spPr>
+        <p:style>
+          <a:lnRef idx="2">
+            <a:schemeClr val="dk1"/>
+          </a:lnRef>
+          <a:fillRef idx="1">
+            <a:schemeClr val="lt1"/>
+          </a:fillRef>
+          <a:effectRef idx="0">
+            <a:schemeClr val="dk1"/>
+          </a:effectRef>
+          <a:fontRef idx="minor">
+            <a:schemeClr val="dk1"/>
+          </a:fontRef>
+        </p:style>
+        <p:txBody>
+          <a:bodyPr rtlCol="0" anchor="ctr"/>
+          <a:lstStyle/>
+          <a:p>
+            <a:pPr algn="ctr"/>
+            <a:r>
+              <a:rPr lang="en-US" altLang="zh-CN" dirty="0" smtClean="0"/>
+              <a:t>1</a:t>
+            </a:r>
+            <a:endParaRPr lang="en-US" dirty="0"/>
+          </a:p>
+        </p:txBody>
+      </p:sp>
+      <p:sp>
+        <p:nvSpPr>
+          <p:cNvPr id="36" name="Rectangle 35"/>
+          <p:cNvSpPr/>
+          <p:nvPr/>
+        </p:nvSpPr>
+        <p:spPr>
+          <a:xfrm>
+            <a:off x="5008655" y="3037105"/>
+            <a:ext cx="265471" cy="299164"/>
+          </a:xfrm>
+          <a:prstGeom prst="rect">
+            <a:avLst/>
+          </a:prstGeom>
+        </p:spPr>
+        <p:style>
+          <a:lnRef idx="2">
+            <a:schemeClr val="dk1"/>
+          </a:lnRef>
+          <a:fillRef idx="1">
+            <a:schemeClr val="lt1"/>
+          </a:fillRef>
+          <a:effectRef idx="0">
+            <a:schemeClr val="dk1"/>
+          </a:effectRef>
+          <a:fontRef idx="minor">
+            <a:schemeClr val="dk1"/>
+          </a:fontRef>
+        </p:style>
+        <p:txBody>
+          <a:bodyPr rtlCol="0" anchor="ctr"/>
+          <a:lstStyle/>
+          <a:p>
+            <a:pPr algn="ctr"/>
+            <a:r>
+              <a:rPr lang="en-US" altLang="zh-CN" dirty="0" smtClean="0"/>
+              <a:t>6</a:t>
+            </a:r>
+            <a:endParaRPr lang="en-US" dirty="0"/>
+          </a:p>
+        </p:txBody>
+      </p:sp>
+      <p:sp>
+        <p:nvSpPr>
+          <p:cNvPr id="37" name="Rectangle 36"/>
+          <p:cNvSpPr/>
+          <p:nvPr/>
+        </p:nvSpPr>
+        <p:spPr>
+          <a:xfrm>
+            <a:off x="5269952" y="3037105"/>
+            <a:ext cx="265471" cy="299164"/>
+          </a:xfrm>
+          <a:prstGeom prst="rect">
+            <a:avLst/>
+          </a:prstGeom>
+        </p:spPr>
+        <p:style>
+          <a:lnRef idx="2">
+            <a:schemeClr val="dk1"/>
+          </a:lnRef>
+          <a:fillRef idx="1">
+            <a:schemeClr val="lt1"/>
+          </a:fillRef>
+          <a:effectRef idx="0">
+            <a:schemeClr val="dk1"/>
+          </a:effectRef>
+          <a:fontRef idx="minor">
+            <a:schemeClr val="dk1"/>
+          </a:fontRef>
+        </p:style>
+        <p:txBody>
+          <a:bodyPr rtlCol="0" anchor="ctr"/>
+          <a:lstStyle/>
+          <a:p>
+            <a:pPr algn="ctr"/>
+            <a:r>
+              <a:rPr lang="en-US" altLang="zh-CN" dirty="0" smtClean="0"/>
+              <a:t>5</a:t>
+            </a:r>
+            <a:endParaRPr lang="en-US" dirty="0"/>
+          </a:p>
+        </p:txBody>
+      </p:sp>
+      <p:sp>
+        <p:nvSpPr>
+          <p:cNvPr id="38" name="Rectangle 37"/>
+          <p:cNvSpPr/>
+          <p:nvPr/>
+        </p:nvSpPr>
+        <p:spPr>
+          <a:xfrm>
+            <a:off x="5530512" y="3037105"/>
+            <a:ext cx="265471" cy="299164"/>
+          </a:xfrm>
+          <a:prstGeom prst="rect">
+            <a:avLst/>
+          </a:prstGeom>
+        </p:spPr>
+        <p:style>
+          <a:lnRef idx="2">
+            <a:schemeClr val="dk1"/>
+          </a:lnRef>
+          <a:fillRef idx="1">
+            <a:schemeClr val="lt1"/>
+          </a:fillRef>
+          <a:effectRef idx="0">
+            <a:schemeClr val="dk1"/>
+          </a:effectRef>
+          <a:fontRef idx="minor">
+            <a:schemeClr val="dk1"/>
+          </a:fontRef>
+        </p:style>
+        <p:txBody>
+          <a:bodyPr rtlCol="0" anchor="ctr"/>
+          <a:lstStyle/>
+          <a:p>
+            <a:pPr algn="ctr"/>
+            <a:r>
+              <a:rPr lang="en-US" altLang="zh-CN" dirty="0" smtClean="0"/>
+              <a:t>2</a:t>
+            </a:r>
+            <a:endParaRPr lang="en-US" dirty="0"/>
+          </a:p>
+        </p:txBody>
+      </p:sp>
+      <p:sp>
+        <p:nvSpPr>
+          <p:cNvPr id="39" name="Rectangle 38"/>
+          <p:cNvSpPr/>
+          <p:nvPr/>
+        </p:nvSpPr>
+        <p:spPr>
+          <a:xfrm>
+            <a:off x="3427956" y="3037105"/>
+            <a:ext cx="265471" cy="299164"/>
+          </a:xfrm>
+          <a:prstGeom prst="rect">
+            <a:avLst/>
+          </a:prstGeom>
+        </p:spPr>
+        <p:style>
+          <a:lnRef idx="2">
+            <a:schemeClr val="dk1"/>
+          </a:lnRef>
+          <a:fillRef idx="1">
+            <a:schemeClr val="lt1"/>
+          </a:fillRef>
+          <a:effectRef idx="0">
+            <a:schemeClr val="dk1"/>
+          </a:effectRef>
+          <a:fontRef idx="minor">
+            <a:schemeClr val="dk1"/>
+          </a:fontRef>
+        </p:style>
+        <p:txBody>
+          <a:bodyPr rtlCol="0" anchor="ctr"/>
+          <a:lstStyle/>
+          <a:p>
+            <a:pPr algn="ctr"/>
+            <a:r>
+              <a:rPr lang="en-US" dirty="0"/>
+              <a:t>9</a:t>
+            </a:r>
+            <a:endParaRPr lang="en-US" dirty="0"/>
+          </a:p>
+        </p:txBody>
+      </p:sp>
+      <p:sp>
+        <p:nvSpPr>
+          <p:cNvPr id="40" name="Rectangle 39"/>
+          <p:cNvSpPr/>
+          <p:nvPr/>
+        </p:nvSpPr>
+        <p:spPr>
+          <a:xfrm>
+            <a:off x="5791072" y="3037105"/>
+            <a:ext cx="265471" cy="299164"/>
+          </a:xfrm>
+          <a:prstGeom prst="rect">
+            <a:avLst/>
+          </a:prstGeom>
+        </p:spPr>
+        <p:style>
+          <a:lnRef idx="2">
+            <a:schemeClr val="dk1"/>
+          </a:lnRef>
+          <a:fillRef idx="1">
+            <a:schemeClr val="lt1"/>
+          </a:fillRef>
+          <a:effectRef idx="0">
+            <a:schemeClr val="dk1"/>
+          </a:effectRef>
+          <a:fontRef idx="minor">
+            <a:schemeClr val="dk1"/>
+          </a:fontRef>
+        </p:style>
+        <p:txBody>
+          <a:bodyPr rtlCol="0" anchor="ctr"/>
+          <a:lstStyle/>
+          <a:p>
+            <a:pPr algn="ctr"/>
+            <a:r>
+              <a:rPr lang="en-US" altLang="zh-CN" dirty="0" smtClean="0"/>
+              <a:t>4</a:t>
+            </a:r>
+            <a:endParaRPr lang="en-US" dirty="0"/>
+          </a:p>
+        </p:txBody>
+      </p:sp>
+      <p:sp>
+        <p:nvSpPr>
+          <p:cNvPr id="41" name="Rectangle 40"/>
+          <p:cNvSpPr/>
+          <p:nvPr/>
+        </p:nvSpPr>
+        <p:spPr>
+          <a:xfrm>
+            <a:off x="3690971" y="3700463"/>
+            <a:ext cx="265471" cy="299164"/>
+          </a:xfrm>
+          <a:prstGeom prst="rect">
+            <a:avLst/>
+          </a:prstGeom>
+        </p:spPr>
+        <p:style>
+          <a:lnRef idx="2">
+            <a:schemeClr val="dk1"/>
+          </a:lnRef>
+          <a:fillRef idx="1">
+            <a:schemeClr val="lt1"/>
+          </a:fillRef>
+          <a:effectRef idx="0">
+            <a:schemeClr val="dk1"/>
+          </a:effectRef>
+          <a:fontRef idx="minor">
+            <a:schemeClr val="dk1"/>
+          </a:fontRef>
+        </p:style>
+        <p:txBody>
+          <a:bodyPr rtlCol="0" anchor="ctr"/>
+          <a:lstStyle/>
+          <a:p>
+            <a:pPr algn="ctr"/>
+            <a:r>
+              <a:rPr lang="en-US" altLang="zh-CN" dirty="0" smtClean="0"/>
+              <a:t>7</a:t>
+            </a:r>
+            <a:endParaRPr lang="en-US" dirty="0"/>
+          </a:p>
+        </p:txBody>
+      </p:sp>
+      <p:sp>
+        <p:nvSpPr>
+          <p:cNvPr id="42" name="Rectangle 41"/>
+          <p:cNvSpPr/>
+          <p:nvPr/>
+        </p:nvSpPr>
+        <p:spPr>
+          <a:xfrm>
+            <a:off x="3951531" y="3700463"/>
+            <a:ext cx="265471" cy="299164"/>
+          </a:xfrm>
+          <a:prstGeom prst="rect">
+            <a:avLst/>
+          </a:prstGeom>
+        </p:spPr>
+        <p:style>
+          <a:lnRef idx="2">
+            <a:schemeClr val="dk1"/>
+          </a:lnRef>
+          <a:fillRef idx="1">
+            <a:schemeClr val="lt1"/>
+          </a:fillRef>
+          <a:effectRef idx="0">
+            <a:schemeClr val="dk1"/>
+          </a:effectRef>
+          <a:fontRef idx="minor">
+            <a:schemeClr val="dk1"/>
+          </a:fontRef>
+        </p:style>
+        <p:txBody>
+          <a:bodyPr rtlCol="0" anchor="ctr"/>
+          <a:lstStyle/>
+          <a:p>
+            <a:pPr algn="ctr"/>
+            <a:r>
+              <a:rPr lang="en-US" altLang="zh-CN" smtClean="0"/>
+              <a:t>4</a:t>
+            </a:r>
+            <a:endParaRPr lang="en-US" dirty="0"/>
+          </a:p>
+        </p:txBody>
+      </p:sp>
+      <p:sp>
+        <p:nvSpPr>
+          <p:cNvPr id="43" name="Rectangle 42"/>
+          <p:cNvSpPr/>
+          <p:nvPr/>
+        </p:nvSpPr>
+        <p:spPr>
+          <a:xfrm>
+            <a:off x="4222064" y="3700463"/>
+            <a:ext cx="265471" cy="299164"/>
+          </a:xfrm>
+          <a:prstGeom prst="rect">
+            <a:avLst/>
+          </a:prstGeom>
+        </p:spPr>
+        <p:style>
+          <a:lnRef idx="2">
+            <a:schemeClr val="dk1"/>
+          </a:lnRef>
+          <a:fillRef idx="1">
+            <a:schemeClr val="lt1"/>
+          </a:fillRef>
+          <a:effectRef idx="0">
+            <a:schemeClr val="dk1"/>
+          </a:effectRef>
+          <a:fontRef idx="minor">
+            <a:schemeClr val="dk1"/>
+          </a:fontRef>
+        </p:style>
+        <p:txBody>
+          <a:bodyPr rtlCol="0" anchor="ctr"/>
+          <a:lstStyle/>
+          <a:p>
+            <a:pPr algn="ctr"/>
+            <a:r>
+              <a:rPr lang="en-US" altLang="zh-CN" dirty="0" smtClean="0"/>
+              <a:t>0</a:t>
+            </a:r>
+            <a:endParaRPr lang="en-US" dirty="0"/>
+          </a:p>
+        </p:txBody>
+      </p:sp>
+      <p:sp>
+        <p:nvSpPr>
+          <p:cNvPr id="44" name="Rectangle 43"/>
+          <p:cNvSpPr/>
+          <p:nvPr/>
+        </p:nvSpPr>
+        <p:spPr>
+          <a:xfrm>
+            <a:off x="4482624" y="3700463"/>
+            <a:ext cx="265471" cy="299164"/>
+          </a:xfrm>
+          <a:prstGeom prst="rect">
+            <a:avLst/>
+          </a:prstGeom>
+        </p:spPr>
+        <p:style>
+          <a:lnRef idx="2">
+            <a:schemeClr val="dk1"/>
+          </a:lnRef>
+          <a:fillRef idx="1">
+            <a:schemeClr val="lt1"/>
+          </a:fillRef>
+          <a:effectRef idx="0">
+            <a:schemeClr val="dk1"/>
+          </a:effectRef>
+          <a:fontRef idx="minor">
+            <a:schemeClr val="dk1"/>
+          </a:fontRef>
+        </p:style>
+        <p:txBody>
+          <a:bodyPr rtlCol="0" anchor="ctr"/>
+          <a:lstStyle/>
+          <a:p>
+            <a:pPr algn="ctr"/>
+            <a:r>
+              <a:rPr lang="en-US" altLang="zh-CN" dirty="0" smtClean="0"/>
+              <a:t>8</a:t>
+            </a:r>
+            <a:endParaRPr lang="en-US" dirty="0"/>
+          </a:p>
+        </p:txBody>
+      </p:sp>
+      <p:sp>
+        <p:nvSpPr>
+          <p:cNvPr id="45" name="Rectangle 44"/>
+          <p:cNvSpPr/>
+          <p:nvPr/>
+        </p:nvSpPr>
+        <p:spPr>
+          <a:xfrm>
+            <a:off x="4748095" y="3700463"/>
+            <a:ext cx="265471" cy="299164"/>
+          </a:xfrm>
+          <a:prstGeom prst="rect">
+            <a:avLst/>
+          </a:prstGeom>
+        </p:spPr>
+        <p:style>
+          <a:lnRef idx="2">
+            <a:schemeClr val="dk1"/>
+          </a:lnRef>
+          <a:fillRef idx="1">
+            <a:schemeClr val="lt1"/>
+          </a:fillRef>
+          <a:effectRef idx="0">
+            <a:schemeClr val="dk1"/>
+          </a:effectRef>
+          <a:fontRef idx="minor">
+            <a:schemeClr val="dk1"/>
+          </a:fontRef>
+        </p:style>
+        <p:txBody>
+          <a:bodyPr rtlCol="0" anchor="ctr"/>
+          <a:lstStyle/>
+          <a:p>
+            <a:pPr algn="ctr"/>
+            <a:r>
+              <a:rPr lang="en-US" altLang="zh-CN" dirty="0" smtClean="0"/>
+              <a:t>2</a:t>
+            </a:r>
+            <a:endParaRPr lang="en-US" dirty="0"/>
+          </a:p>
+        </p:txBody>
+      </p:sp>
+      <p:sp>
+        <p:nvSpPr>
+          <p:cNvPr id="46" name="Rectangle 45"/>
+          <p:cNvSpPr/>
+          <p:nvPr/>
+        </p:nvSpPr>
+        <p:spPr>
+          <a:xfrm>
+            <a:off x="5008655" y="3700463"/>
+            <a:ext cx="265471" cy="299164"/>
+          </a:xfrm>
+          <a:prstGeom prst="rect">
+            <a:avLst/>
+          </a:prstGeom>
+        </p:spPr>
+        <p:style>
+          <a:lnRef idx="2">
+            <a:schemeClr val="dk1"/>
+          </a:lnRef>
+          <a:fillRef idx="1">
+            <a:schemeClr val="lt1"/>
+          </a:fillRef>
+          <a:effectRef idx="0">
+            <a:schemeClr val="dk1"/>
+          </a:effectRef>
+          <a:fontRef idx="minor">
+            <a:schemeClr val="dk1"/>
+          </a:fontRef>
+        </p:style>
+        <p:txBody>
+          <a:bodyPr rtlCol="0" anchor="ctr"/>
+          <a:lstStyle/>
+          <a:p>
+            <a:pPr algn="ctr"/>
+            <a:r>
+              <a:rPr lang="en-US" altLang="zh-CN" dirty="0" smtClean="0"/>
+              <a:t>5</a:t>
+            </a:r>
+            <a:endParaRPr lang="en-US" dirty="0"/>
+          </a:p>
+        </p:txBody>
+      </p:sp>
+      <p:sp>
+        <p:nvSpPr>
+          <p:cNvPr id="47" name="Rectangle 46"/>
+          <p:cNvSpPr/>
+          <p:nvPr/>
+        </p:nvSpPr>
+        <p:spPr>
+          <a:xfrm>
+            <a:off x="5269952" y="3700463"/>
+            <a:ext cx="265471" cy="299164"/>
+          </a:xfrm>
+          <a:prstGeom prst="rect">
+            <a:avLst/>
+          </a:prstGeom>
+        </p:spPr>
+        <p:style>
+          <a:lnRef idx="2">
+            <a:schemeClr val="dk1"/>
+          </a:lnRef>
+          <a:fillRef idx="1">
+            <a:schemeClr val="lt1"/>
+          </a:fillRef>
+          <a:effectRef idx="0">
+            <a:schemeClr val="dk1"/>
+          </a:effectRef>
+          <a:fontRef idx="minor">
+            <a:schemeClr val="dk1"/>
+          </a:fontRef>
+        </p:style>
+        <p:txBody>
+          <a:bodyPr rtlCol="0" anchor="ctr"/>
+          <a:lstStyle/>
+          <a:p>
+            <a:pPr algn="ctr"/>
+            <a:r>
+              <a:rPr lang="en-US" altLang="zh-CN" dirty="0" smtClean="0"/>
+              <a:t>1</a:t>
+            </a:r>
+            <a:endParaRPr lang="en-US" dirty="0"/>
+          </a:p>
+        </p:txBody>
+      </p:sp>
+      <p:sp>
+        <p:nvSpPr>
+          <p:cNvPr id="48" name="Rectangle 47"/>
+          <p:cNvSpPr/>
+          <p:nvPr/>
+        </p:nvSpPr>
+        <p:spPr>
+          <a:xfrm>
+            <a:off x="5530512" y="3700463"/>
+            <a:ext cx="265471" cy="299164"/>
+          </a:xfrm>
+          <a:prstGeom prst="rect">
+            <a:avLst/>
+          </a:prstGeom>
+        </p:spPr>
+        <p:style>
+          <a:lnRef idx="2">
+            <a:schemeClr val="dk1"/>
+          </a:lnRef>
+          <a:fillRef idx="1">
+            <a:schemeClr val="lt1"/>
+          </a:fillRef>
+          <a:effectRef idx="0">
+            <a:schemeClr val="dk1"/>
+          </a:effectRef>
+          <a:fontRef idx="minor">
+            <a:schemeClr val="dk1"/>
+          </a:fontRef>
+        </p:style>
+        <p:txBody>
+          <a:bodyPr rtlCol="0" anchor="ctr"/>
+          <a:lstStyle/>
+          <a:p>
+            <a:pPr algn="ctr"/>
+            <a:r>
+              <a:rPr lang="en-US" altLang="zh-CN" dirty="0" smtClean="0"/>
+              <a:t>3</a:t>
+            </a:r>
+            <a:endParaRPr lang="en-US" dirty="0"/>
+          </a:p>
+        </p:txBody>
+      </p:sp>
+      <p:sp>
+        <p:nvSpPr>
+          <p:cNvPr id="49" name="Rectangle 48"/>
+          <p:cNvSpPr/>
+          <p:nvPr/>
+        </p:nvSpPr>
+        <p:spPr>
+          <a:xfrm>
+            <a:off x="3427956" y="3700463"/>
+            <a:ext cx="265471" cy="299164"/>
+          </a:xfrm>
+          <a:prstGeom prst="rect">
+            <a:avLst/>
+          </a:prstGeom>
+        </p:spPr>
+        <p:style>
+          <a:lnRef idx="2">
+            <a:schemeClr val="dk1"/>
+          </a:lnRef>
+          <a:fillRef idx="1">
+            <a:schemeClr val="lt1"/>
+          </a:fillRef>
+          <a:effectRef idx="0">
+            <a:schemeClr val="dk1"/>
+          </a:effectRef>
+          <a:fontRef idx="minor">
+            <a:schemeClr val="dk1"/>
+          </a:fontRef>
+        </p:style>
+        <p:txBody>
+          <a:bodyPr rtlCol="0" anchor="ctr"/>
+          <a:lstStyle/>
+          <a:p>
+            <a:pPr algn="ctr"/>
+            <a:r>
+              <a:rPr lang="en-US" altLang="zh-CN" dirty="0" smtClean="0"/>
+              <a:t>6</a:t>
+            </a:r>
+            <a:endParaRPr lang="en-US" dirty="0"/>
+          </a:p>
+        </p:txBody>
+      </p:sp>
+      <p:sp>
+        <p:nvSpPr>
+          <p:cNvPr id="50" name="Rectangle 49"/>
+          <p:cNvSpPr/>
+          <p:nvPr/>
+        </p:nvSpPr>
+        <p:spPr>
+          <a:xfrm>
+            <a:off x="5791072" y="3700463"/>
+            <a:ext cx="265471" cy="299164"/>
+          </a:xfrm>
+          <a:prstGeom prst="rect">
+            <a:avLst/>
+          </a:prstGeom>
+        </p:spPr>
+        <p:style>
+          <a:lnRef idx="2">
+            <a:schemeClr val="dk1"/>
+          </a:lnRef>
+          <a:fillRef idx="1">
+            <a:schemeClr val="lt1"/>
+          </a:fillRef>
+          <a:effectRef idx="0">
+            <a:schemeClr val="dk1"/>
+          </a:effectRef>
+          <a:fontRef idx="minor">
+            <a:schemeClr val="dk1"/>
+          </a:fontRef>
+        </p:style>
+        <p:txBody>
+          <a:bodyPr rtlCol="0" anchor="ctr"/>
+          <a:lstStyle/>
+          <a:p>
+            <a:pPr algn="ctr"/>
+            <a:r>
+              <a:rPr lang="en-US" altLang="zh-CN" dirty="0" smtClean="0"/>
+              <a:t>9</a:t>
+            </a:r>
+            <a:endParaRPr lang="en-US" dirty="0"/>
+          </a:p>
+        </p:txBody>
+      </p:sp>
+      <p:sp>
+        <p:nvSpPr>
+          <p:cNvPr id="51" name="Up Arrow 50"/>
+          <p:cNvSpPr>
+            <a:spLocks noChangeAspect="1"/>
+          </p:cNvSpPr>
+          <p:nvPr/>
+        </p:nvSpPr>
+        <p:spPr>
+          <a:xfrm>
+            <a:off x="2808065" y="4341078"/>
+            <a:ext cx="261258" cy="381992"/>
+          </a:xfrm>
+          <a:prstGeom prst="upArrow">
+            <a:avLst/>
+          </a:prstGeom>
+          <a:ln w="28575"/>
+        </p:spPr>
+        <p:style>
+          <a:lnRef idx="2">
+            <a:schemeClr val="dk1"/>
+          </a:lnRef>
+          <a:fillRef idx="1">
+            <a:schemeClr val="lt1"/>
+          </a:fillRef>
+          <a:effectRef idx="0">
+            <a:schemeClr val="dk1"/>
+          </a:effectRef>
+          <a:fontRef idx="minor">
+            <a:schemeClr val="dk1"/>
+          </a:fontRef>
+        </p:style>
+        <p:txBody>
+          <a:bodyPr rot="0" spcFirstLastPara="0" vertOverflow="overflow" horzOverflow="overflow" vert="horz" wrap="square" lIns="91440" tIns="45720" rIns="91440" bIns="45720" numCol="1" spcCol="0" rtlCol="0" fromWordArt="0" anchor="ctr" anchorCtr="0" forceAA="0" compatLnSpc="1">
+            <a:prstTxWarp prst="textNoShape">
+              <a:avLst/>
+            </a:prstTxWarp>
+            <a:noAutofit/>
+          </a:bodyPr>
+          <a:lstStyle/>
+          <a:p>
+            <a:pPr algn="ctr"/>
+            <a:endParaRPr lang="en-US"/>
+          </a:p>
+        </p:txBody>
+      </p:sp>
+    </p:spTree>
+    <p:extLst>
+      <p:ext uri="{BB962C8B-B14F-4D97-AF65-F5344CB8AC3E}">
+        <p14:creationId xmlns:p14="http://schemas.microsoft.com/office/powerpoint/2010/main" val="250717119"/>
+      </p:ext>
+    </p:extLst>
+  </p:cSld>
+  <p:clrMapOvr>
+    <a:masterClrMapping/>
+  </p:clrMapOvr>
+</p:sld>
+</file>
+
+<file path=ppt/slides/slide4.xml><?xml version="1.0" encoding="utf-8"?>
+<p:sld xmlns:a="http://schemas.openxmlformats.org/drawingml/2006/main" xmlns:r="http://schemas.openxmlformats.org/officeDocument/2006/relationships" xmlns:p="http://schemas.openxmlformats.org/presentationml/2006/main">
+  <p:cSld>
+    <p:spTree>
+      <p:nvGrpSpPr>
+        <p:cNvPr id="1" name=""/>
+        <p:cNvGrpSpPr/>
+        <p:nvPr/>
+      </p:nvGrpSpPr>
+      <p:grpSpPr>
+        <a:xfrm>
+          <a:off x="0" y="0"/>
+          <a:ext cx="0" cy="0"/>
+          <a:chOff x="0" y="0"/>
+          <a:chExt cx="0" cy="0"/>
+        </a:xfrm>
+      </p:grpSpPr>
+      <p:sp>
+        <p:nvSpPr>
+          <p:cNvPr id="2" name="TextBox 1"/>
+          <p:cNvSpPr txBox="1"/>
+          <p:nvPr/>
+        </p:nvSpPr>
+        <p:spPr>
+          <a:xfrm>
+            <a:off x="4982021" y="3898946"/>
+            <a:ext cx="946093" cy="274691"/>
+          </a:xfrm>
+          <a:prstGeom prst="rect">
+            <a:avLst/>
+          </a:prstGeom>
+          <a:noFill/>
+        </p:spPr>
+        <p:txBody>
+          <a:bodyPr wrap="none" rtlCol="0">
+            <a:spAutoFit/>
+          </a:bodyPr>
+          <a:lstStyle/>
+          <a:p>
+            <a:r>
+              <a:rPr lang="zh-CN" altLang="en-US" dirty="0" smtClean="0"/>
+              <a:t>自行车公司</a:t>
+            </a:r>
+            <a:endParaRPr lang="en-US" dirty="0"/>
+          </a:p>
+        </p:txBody>
+      </p:sp>
+      <p:sp>
+        <p:nvSpPr>
+          <p:cNvPr id="3" name="Triangle 2"/>
+          <p:cNvSpPr/>
+          <p:nvPr/>
+        </p:nvSpPr>
+        <p:spPr>
+          <a:xfrm>
+            <a:off x="4620173" y="1477819"/>
+            <a:ext cx="1669791" cy="711199"/>
+          </a:xfrm>
+          <a:prstGeom prst="triangle">
+            <a:avLst/>
+          </a:prstGeom>
+          <a:ln w="28575"/>
+        </p:spPr>
+        <p:style>
+          <a:lnRef idx="2">
+            <a:schemeClr val="dk1"/>
+          </a:lnRef>
+          <a:fillRef idx="1">
+            <a:schemeClr val="lt1"/>
+          </a:fillRef>
+          <a:effectRef idx="0">
+            <a:schemeClr val="dk1"/>
+          </a:effectRef>
+          <a:fontRef idx="minor">
+            <a:schemeClr val="dk1"/>
+          </a:fontRef>
+        </p:style>
+        <p:txBody>
+          <a:bodyPr rtlCol="0" anchor="ctr"/>
+          <a:lstStyle/>
+          <a:p>
+            <a:pPr algn="ctr"/>
+            <a:endParaRPr lang="en-US"/>
+          </a:p>
+        </p:txBody>
+      </p:sp>
+      <p:sp>
+        <p:nvSpPr>
+          <p:cNvPr id="4" name="Rectangle 3"/>
+          <p:cNvSpPr/>
+          <p:nvPr/>
+        </p:nvSpPr>
+        <p:spPr>
+          <a:xfrm>
+            <a:off x="4822377" y="2189018"/>
+            <a:ext cx="1265382" cy="1709928"/>
+          </a:xfrm>
+          <a:prstGeom prst="rect">
+            <a:avLst/>
+          </a:prstGeom>
+          <a:ln w="28575"/>
+        </p:spPr>
+        <p:style>
+          <a:lnRef idx="2">
+            <a:schemeClr val="dk1"/>
+          </a:lnRef>
+          <a:fillRef idx="1">
+            <a:schemeClr val="lt1"/>
+          </a:fillRef>
+          <a:effectRef idx="0">
+            <a:schemeClr val="dk1"/>
+          </a:effectRef>
+          <a:fontRef idx="minor">
+            <a:schemeClr val="dk1"/>
+          </a:fontRef>
+        </p:style>
+        <p:txBody>
+          <a:bodyPr rtlCol="0" anchor="ctr"/>
+          <a:lstStyle/>
+          <a:p>
+            <a:pPr algn="ctr"/>
+            <a:endParaRPr lang="en-US"/>
+          </a:p>
+        </p:txBody>
+      </p:sp>
+      <p:cxnSp>
+        <p:nvCxnSpPr>
+          <p:cNvPr id="8" name="Straight Arrow Connector 7"/>
+          <p:cNvCxnSpPr/>
+          <p:nvPr/>
+        </p:nvCxnSpPr>
+        <p:spPr>
+          <a:xfrm flipV="1">
+            <a:off x="1382332" y="1827600"/>
+            <a:ext cx="3440045" cy="5818"/>
+          </a:xfrm>
+          <a:prstGeom prst="straightConnector1">
+            <a:avLst/>
+          </a:prstGeom>
+          <a:ln>
+            <a:tailEnd type="triangle"/>
+          </a:ln>
+        </p:spPr>
+        <p:style>
+          <a:lnRef idx="3">
+            <a:schemeClr val="dk1"/>
+          </a:lnRef>
+          <a:fillRef idx="0">
+            <a:schemeClr val="dk1"/>
+          </a:fillRef>
+          <a:effectRef idx="2">
+            <a:schemeClr val="dk1"/>
+          </a:effectRef>
+          <a:fontRef idx="minor">
+            <a:schemeClr val="tx1"/>
+          </a:fontRef>
+        </p:style>
+      </p:cxnSp>
+      <p:sp>
+        <p:nvSpPr>
+          <p:cNvPr id="9" name="TextBox 8"/>
+          <p:cNvSpPr txBox="1"/>
+          <p:nvPr/>
+        </p:nvSpPr>
+        <p:spPr>
+          <a:xfrm>
+            <a:off x="2306786" y="1552909"/>
+            <a:ext cx="2002471" cy="274691"/>
+          </a:xfrm>
+          <a:prstGeom prst="rect">
+            <a:avLst/>
+          </a:prstGeom>
+          <a:noFill/>
+        </p:spPr>
+        <p:txBody>
+          <a:bodyPr wrap="none" rtlCol="0">
+            <a:spAutoFit/>
+          </a:bodyPr>
+          <a:lstStyle/>
+          <a:p>
+            <a:r>
+              <a:rPr lang="en-US" altLang="zh-CN" dirty="0" smtClean="0"/>
+              <a:t>1</a:t>
+            </a:r>
+            <a:r>
+              <a:rPr lang="zh-CN" altLang="en-US" dirty="0" smtClean="0"/>
+              <a:t>，申请对自行车</a:t>
+            </a:r>
+            <a:r>
+              <a:rPr lang="en-US" altLang="zh-CN" i="1" dirty="0" smtClean="0"/>
+              <a:t>x</a:t>
+            </a:r>
+            <a:r>
+              <a:rPr lang="zh-CN" altLang="en-US" dirty="0" smtClean="0"/>
+              <a:t>停止计费</a:t>
+            </a:r>
+            <a:endParaRPr lang="en-US" dirty="0"/>
+          </a:p>
+        </p:txBody>
+      </p:sp>
+      <p:cxnSp>
+        <p:nvCxnSpPr>
+          <p:cNvPr id="12" name="Straight Connector 11"/>
+          <p:cNvCxnSpPr/>
+          <p:nvPr/>
+        </p:nvCxnSpPr>
+        <p:spPr>
+          <a:xfrm flipH="1">
+            <a:off x="1043707" y="1185673"/>
+            <a:ext cx="27709" cy="2987964"/>
+          </a:xfrm>
+          <a:prstGeom prst="line">
+            <a:avLst/>
+          </a:prstGeom>
+          <a:ln>
+            <a:prstDash val="dash"/>
+          </a:ln>
+        </p:spPr>
+        <p:style>
+          <a:lnRef idx="3">
+            <a:schemeClr val="dk1"/>
+          </a:lnRef>
+          <a:fillRef idx="0">
+            <a:schemeClr val="dk1"/>
+          </a:fillRef>
+          <a:effectRef idx="2">
+            <a:schemeClr val="dk1"/>
+          </a:effectRef>
+          <a:fontRef idx="minor">
+            <a:schemeClr val="tx1"/>
+          </a:fontRef>
+        </p:style>
+      </p:cxnSp>
+      <p:pic>
+        <p:nvPicPr>
+          <p:cNvPr id="4098" name="Picture 2" descr="ttp://www.td.gov.hk/mini_site/cic/images/content_img/road_signs/4.gif"/>
+          <p:cNvPicPr>
+            <a:picLocks noChangeAspect="1" noChangeArrowheads="1"/>
+          </p:cNvPicPr>
+          <p:nvPr/>
+        </p:nvPicPr>
+        <p:blipFill>
+          <a:blip r:embed="rId2">
+            <a:extLst>
+              <a:ext uri="{28A0092B-C50C-407E-A947-70E740481C1C}">
+                <a14:useLocalDpi xmlns:a14="http://schemas.microsoft.com/office/drawing/2010/main" val="0"/>
+              </a:ext>
+            </a:extLst>
+          </a:blip>
+          <a:srcRect/>
+          <a:stretch>
+            <a:fillRect/>
+          </a:stretch>
+        </p:blipFill>
+        <p:spPr bwMode="auto">
+          <a:xfrm>
+            <a:off x="363394" y="1963744"/>
+            <a:ext cx="1419225" cy="1285875"/>
+          </a:xfrm>
+          <a:prstGeom prst="rect">
+            <a:avLst/>
+          </a:prstGeom>
+          <a:noFill/>
+          <a:extLst>
+            <a:ext uri="{909E8E84-426E-40DD-AFC4-6F175D3DCCD1}">
+              <a14:hiddenFill xmlns:a14="http://schemas.microsoft.com/office/drawing/2010/main">
+                <a:solidFill>
+                  <a:srgbClr val="FFFFFF"/>
+                </a:solidFill>
+              </a14:hiddenFill>
+            </a:ext>
+          </a:extLst>
+        </p:spPr>
+      </p:pic>
+      <p:cxnSp>
+        <p:nvCxnSpPr>
+          <p:cNvPr id="16" name="Straight Arrow Connector 15"/>
+          <p:cNvCxnSpPr/>
+          <p:nvPr/>
+        </p:nvCxnSpPr>
+        <p:spPr>
+          <a:xfrm flipH="1" flipV="1">
+            <a:off x="1671782" y="2437203"/>
+            <a:ext cx="3048000" cy="1"/>
+          </a:xfrm>
+          <a:prstGeom prst="straightConnector1">
+            <a:avLst/>
+          </a:prstGeom>
+          <a:ln>
+            <a:tailEnd type="triangle"/>
+          </a:ln>
+        </p:spPr>
+        <p:style>
+          <a:lnRef idx="3">
+            <a:schemeClr val="dk1"/>
+          </a:lnRef>
+          <a:fillRef idx="0">
+            <a:schemeClr val="dk1"/>
+          </a:fillRef>
+          <a:effectRef idx="2">
+            <a:schemeClr val="dk1"/>
+          </a:effectRef>
+          <a:fontRef idx="minor">
+            <a:schemeClr val="tx1"/>
+          </a:fontRef>
+        </p:style>
+      </p:cxnSp>
+      <p:sp>
+        <p:nvSpPr>
+          <p:cNvPr id="19" name="TextBox 18"/>
+          <p:cNvSpPr txBox="1"/>
+          <p:nvPr/>
+        </p:nvSpPr>
+        <p:spPr>
+          <a:xfrm>
+            <a:off x="1885214" y="2005463"/>
+            <a:ext cx="2310248" cy="457048"/>
+          </a:xfrm>
+          <a:prstGeom prst="rect">
+            <a:avLst/>
+          </a:prstGeom>
+          <a:noFill/>
+        </p:spPr>
+        <p:txBody>
+          <a:bodyPr wrap="none" rtlCol="0">
+            <a:spAutoFit/>
+          </a:bodyPr>
+          <a:lstStyle/>
+          <a:p>
+            <a:r>
+              <a:rPr lang="en-US" altLang="zh-CN" dirty="0"/>
+              <a:t>3</a:t>
+            </a:r>
+            <a:r>
+              <a:rPr lang="zh-CN" altLang="en-US" dirty="0" smtClean="0"/>
+              <a:t>，要求锁车，拨到数字</a:t>
+            </a:r>
+            <a:r>
+              <a:rPr lang="en-US" altLang="zh-CN" i="1" dirty="0" smtClean="0"/>
+              <a:t>y</a:t>
+            </a:r>
+            <a:r>
+              <a:rPr lang="zh-CN" altLang="en-US" dirty="0" smtClean="0"/>
+              <a:t>后，将</a:t>
+            </a:r>
+            <a:endParaRPr lang="en-US" altLang="zh-CN" dirty="0" smtClean="0"/>
+          </a:p>
+          <a:p>
+            <a:r>
+              <a:rPr lang="zh-CN" altLang="en-US" dirty="0" smtClean="0"/>
+              <a:t>白箭头对准的数字发回。</a:t>
+            </a:r>
+            <a:endParaRPr lang="en-US" dirty="0"/>
+          </a:p>
+        </p:txBody>
+      </p:sp>
+      <p:sp>
+        <p:nvSpPr>
+          <p:cNvPr id="20" name="TextBox 19"/>
+          <p:cNvSpPr txBox="1"/>
+          <p:nvPr/>
+        </p:nvSpPr>
+        <p:spPr>
+          <a:xfrm>
+            <a:off x="4756799" y="1963744"/>
+            <a:ext cx="1396536" cy="274691"/>
+          </a:xfrm>
+          <a:prstGeom prst="rect">
+            <a:avLst/>
+          </a:prstGeom>
+          <a:noFill/>
+        </p:spPr>
+        <p:txBody>
+          <a:bodyPr wrap="none" rtlCol="0">
+            <a:spAutoFit/>
+          </a:bodyPr>
+          <a:lstStyle/>
+          <a:p>
+            <a:r>
+              <a:rPr lang="en-US" altLang="zh-CN" dirty="0" smtClean="0"/>
+              <a:t>2</a:t>
+            </a:r>
+            <a:r>
+              <a:rPr lang="zh-CN" altLang="en-US" dirty="0" smtClean="0"/>
+              <a:t>，产生随机数字</a:t>
+            </a:r>
+            <a:r>
+              <a:rPr lang="en-US" altLang="zh-CN" i="1" dirty="0" smtClean="0"/>
+              <a:t>y</a:t>
+            </a:r>
+            <a:endParaRPr lang="en-US" i="1" dirty="0"/>
+          </a:p>
+        </p:txBody>
+      </p:sp>
+      <p:cxnSp>
+        <p:nvCxnSpPr>
+          <p:cNvPr id="21" name="Straight Arrow Connector 20"/>
+          <p:cNvCxnSpPr/>
+          <p:nvPr/>
+        </p:nvCxnSpPr>
+        <p:spPr>
+          <a:xfrm flipV="1">
+            <a:off x="1502718" y="3083371"/>
+            <a:ext cx="3214846" cy="12653"/>
+          </a:xfrm>
+          <a:prstGeom prst="straightConnector1">
+            <a:avLst/>
+          </a:prstGeom>
+          <a:ln>
+            <a:tailEnd type="triangle"/>
+          </a:ln>
+        </p:spPr>
+        <p:style>
+          <a:lnRef idx="3">
+            <a:schemeClr val="dk1"/>
+          </a:lnRef>
+          <a:fillRef idx="0">
+            <a:schemeClr val="dk1"/>
+          </a:fillRef>
+          <a:effectRef idx="2">
+            <a:schemeClr val="dk1"/>
+          </a:effectRef>
+          <a:fontRef idx="minor">
+            <a:schemeClr val="tx1"/>
+          </a:fontRef>
+        </p:style>
+      </p:cxnSp>
+      <p:sp>
+        <p:nvSpPr>
+          <p:cNvPr id="24" name="TextBox 23"/>
+          <p:cNvSpPr txBox="1"/>
+          <p:nvPr/>
+        </p:nvSpPr>
+        <p:spPr>
+          <a:xfrm>
+            <a:off x="1885214" y="2601016"/>
+            <a:ext cx="2614818" cy="457048"/>
+          </a:xfrm>
+          <a:prstGeom prst="rect">
+            <a:avLst/>
+          </a:prstGeom>
+          <a:noFill/>
+        </p:spPr>
+        <p:txBody>
+          <a:bodyPr wrap="none" rtlCol="0">
+            <a:spAutoFit/>
+          </a:bodyPr>
+          <a:lstStyle/>
+          <a:p>
+            <a:r>
+              <a:rPr lang="en-US" altLang="zh-CN" dirty="0" smtClean="0"/>
+              <a:t>4</a:t>
+            </a:r>
+            <a:r>
+              <a:rPr lang="zh-CN" altLang="en-US" dirty="0" smtClean="0"/>
+              <a:t>，锁车后，波到黑箭头对准数字</a:t>
+            </a:r>
+            <a:r>
+              <a:rPr lang="en-US" altLang="zh-CN" i="1" dirty="0" smtClean="0"/>
+              <a:t>y</a:t>
+            </a:r>
+            <a:r>
+              <a:rPr lang="zh-CN" altLang="en-US" dirty="0" smtClean="0"/>
+              <a:t>，</a:t>
+            </a:r>
+            <a:endParaRPr lang="en-US" altLang="zh-CN" dirty="0" smtClean="0"/>
+          </a:p>
+          <a:p>
+            <a:r>
+              <a:rPr lang="zh-CN" altLang="en-US" dirty="0" smtClean="0"/>
+              <a:t>读取白箭头对准的数字</a:t>
+            </a:r>
+            <a:r>
+              <a:rPr lang="en-US" altLang="zh-CN" i="1" dirty="0" smtClean="0"/>
+              <a:t>z</a:t>
+            </a:r>
+            <a:r>
+              <a:rPr lang="zh-CN" altLang="en-US" dirty="0" smtClean="0"/>
+              <a:t>发回。</a:t>
+            </a:r>
+            <a:endParaRPr lang="en-US" dirty="0"/>
+          </a:p>
+        </p:txBody>
+      </p:sp>
+      <p:sp>
+        <p:nvSpPr>
+          <p:cNvPr id="25" name="TextBox 24"/>
+          <p:cNvSpPr txBox="1"/>
+          <p:nvPr/>
+        </p:nvSpPr>
+        <p:spPr>
+          <a:xfrm>
+            <a:off x="4550425" y="3121331"/>
+            <a:ext cx="2002471" cy="457048"/>
+          </a:xfrm>
+          <a:prstGeom prst="rect">
+            <a:avLst/>
+          </a:prstGeom>
+          <a:noFill/>
+        </p:spPr>
+        <p:txBody>
+          <a:bodyPr wrap="none" rtlCol="0">
+            <a:spAutoFit/>
+          </a:bodyPr>
+          <a:lstStyle/>
+          <a:p>
+            <a:r>
+              <a:rPr lang="en-US" altLang="zh-CN" dirty="0"/>
+              <a:t>5</a:t>
+            </a:r>
+            <a:r>
+              <a:rPr lang="zh-CN" altLang="en-US" dirty="0" smtClean="0"/>
+              <a:t>，根据</a:t>
+            </a:r>
+            <a:r>
+              <a:rPr lang="en-US" altLang="zh-CN" i="1" dirty="0" smtClean="0"/>
+              <a:t>x</a:t>
+            </a:r>
+            <a:r>
+              <a:rPr lang="zh-CN" altLang="en-US" dirty="0" smtClean="0"/>
+              <a:t>对应的车锁信息，</a:t>
+            </a:r>
+            <a:endParaRPr lang="en-US" altLang="zh-CN" dirty="0" smtClean="0"/>
+          </a:p>
+          <a:p>
+            <a:r>
+              <a:rPr lang="zh-CN" altLang="en-US" dirty="0" smtClean="0"/>
+              <a:t>核对</a:t>
+            </a:r>
+            <a:r>
+              <a:rPr lang="en-US" altLang="zh-CN" dirty="0" smtClean="0"/>
+              <a:t>z</a:t>
+            </a:r>
+            <a:r>
+              <a:rPr lang="zh-CN" altLang="en-US" dirty="0" smtClean="0"/>
+              <a:t>，并停止计费。</a:t>
+            </a:r>
+            <a:endParaRPr lang="en-US" dirty="0"/>
+          </a:p>
+        </p:txBody>
+      </p:sp>
+      <p:cxnSp>
+        <p:nvCxnSpPr>
+          <p:cNvPr id="26" name="Straight Arrow Connector 25"/>
+          <p:cNvCxnSpPr/>
+          <p:nvPr/>
+        </p:nvCxnSpPr>
+        <p:spPr>
+          <a:xfrm flipH="1">
+            <a:off x="1502718" y="3716884"/>
+            <a:ext cx="3254081" cy="25307"/>
+          </a:xfrm>
+          <a:prstGeom prst="straightConnector1">
+            <a:avLst/>
+          </a:prstGeom>
+          <a:ln>
+            <a:tailEnd type="triangle"/>
+          </a:ln>
+        </p:spPr>
+        <p:style>
+          <a:lnRef idx="3">
+            <a:schemeClr val="dk1"/>
+          </a:lnRef>
+          <a:fillRef idx="0">
+            <a:schemeClr val="dk1"/>
+          </a:fillRef>
+          <a:effectRef idx="2">
+            <a:schemeClr val="dk1"/>
+          </a:effectRef>
+          <a:fontRef idx="minor">
+            <a:schemeClr val="tx1"/>
+          </a:fontRef>
+        </p:style>
+      </p:cxnSp>
+      <p:sp>
+        <p:nvSpPr>
+          <p:cNvPr id="29" name="TextBox 28"/>
+          <p:cNvSpPr txBox="1"/>
+          <p:nvPr/>
+        </p:nvSpPr>
+        <p:spPr>
+          <a:xfrm>
+            <a:off x="2161383" y="3442193"/>
+            <a:ext cx="1936749" cy="274691"/>
+          </a:xfrm>
+          <a:prstGeom prst="rect">
+            <a:avLst/>
+          </a:prstGeom>
+          <a:noFill/>
+        </p:spPr>
+        <p:txBody>
+          <a:bodyPr wrap="none" rtlCol="0">
+            <a:spAutoFit/>
+          </a:bodyPr>
+          <a:lstStyle/>
+          <a:p>
+            <a:r>
+              <a:rPr lang="en-US" altLang="zh-CN" dirty="0" smtClean="0"/>
+              <a:t>6</a:t>
+            </a:r>
+            <a:r>
+              <a:rPr lang="zh-CN" altLang="en-US" dirty="0" smtClean="0"/>
+              <a:t>，通知用户已停止计费。</a:t>
+            </a:r>
+            <a:endParaRPr lang="en-US" dirty="0"/>
+          </a:p>
+        </p:txBody>
+      </p:sp>
+    </p:spTree>
+    <p:extLst>
+      <p:ext uri="{BB962C8B-B14F-4D97-AF65-F5344CB8AC3E}">
+        <p14:creationId xmlns:p14="http://schemas.microsoft.com/office/powerpoint/2010/main" val="1366946721"/>
+      </p:ext>
+    </p:extLst>
+  </p:cSld>
+  <p:clrMapOvr>
+    <a:masterClrMapping/>
+  </p:clrMapOvr>
+</p:sld>
+</file>
+
 <file path=ppt/theme/theme1.xml><?xml version="1.0" encoding="utf-8"?>
 <a:theme xmlns:a="http://schemas.openxmlformats.org/drawingml/2006/main" name="Office Theme">
   <a:themeElements>

--- a/digit-lock/img/digit-lock.pptx
+++ b/digit-lock/img/digit-lock.pptx
@@ -8840,7 +8840,7 @@
         <p:spPr>
           <a:xfrm>
             <a:off x="1885214" y="2601016"/>
-            <a:ext cx="2614818" cy="457048"/>
+            <a:ext cx="2621230" cy="457048"/>
           </a:xfrm>
           <a:prstGeom prst="rect">
             <a:avLst/>
@@ -8859,7 +8859,7 @@
             </a:r>
             <a:r>
               <a:rPr lang="zh-CN" altLang="en-US" dirty="0" smtClean="0"/>
-              <a:t>，锁车后，波到黑箭头对准数字</a:t>
+              <a:t>，锁车后，拨到黑箭头对准数字</a:t>
             </a:r>
             <a:r>
               <a:rPr lang="en-US" altLang="zh-CN" i="1" dirty="0" smtClean="0"/>
@@ -9006,7 +9006,7 @@
             </a:r>
             <a:r>
               <a:rPr lang="zh-CN" altLang="en-US" dirty="0" smtClean="0"/>
-              <a:t>，通知用户已停止计费。</a:t>
+              <a:t>，通知乘客已停止计费。</a:t>
             </a:r>
             <a:endParaRPr lang="en-US" dirty="0"/>
           </a:p>
